--- a/あべ.ゆうたろうpptx.pptx
+++ b/あべ.ゆうたろうpptx.pptx
@@ -2,7 +2,7 @@
 <file path=ppt/presentation.xml><?xml version="1.0" encoding="utf-8"?>
 <p:presentation xmlns:a="http://schemas.openxmlformats.org/drawingml/2006/main" xmlns:r="http://schemas.openxmlformats.org/officeDocument/2006/relationships" xmlns:p="http://schemas.openxmlformats.org/presentationml/2006/main" saveSubsetFonts="1">
   <p:sldMasterIdLst>
-    <p:sldMasterId id="2147483684" r:id="rId1"/>
+    <p:sldMasterId id="2147483696" r:id="rId1"/>
   </p:sldMasterIdLst>
   <p:notesMasterIdLst>
     <p:notesMasterId r:id="rId4"/>
@@ -11,7 +11,7 @@
     <p:sldId id="256" r:id="rId2"/>
     <p:sldId id="257" r:id="rId3"/>
   </p:sldIdLst>
-  <p:sldSz cx="12192000" cy="6858000"/>
+  <p:sldSz cx="9906000" cy="6858000" type="A4"/>
   <p:notesSz cx="6858000" cy="9144000"/>
   <p:defaultTextStyle>
     <a:defPPr>
@@ -108,6 +108,11 @@
       </a:defRPr>
     </a:lvl9pPr>
   </p:defaultTextStyle>
+  <p:extLst>
+    <p:ext uri="{EFAFB233-063F-42B5-8137-9DF3F51BA10A}">
+      <p15:sldGuideLst xmlns:p15="http://schemas.microsoft.com/office/powerpoint/2012/main"/>
+    </p:ext>
+  </p:extLst>
 </p:presentation>
 </file>
 
@@ -211,8 +216,8 @@
         </p:nvSpPr>
         <p:spPr>
           <a:xfrm>
-            <a:off x="685800" y="1143000"/>
-            <a:ext cx="5486400" cy="3086100"/>
+            <a:off x="1200150" y="1143000"/>
+            <a:ext cx="4457700" cy="3086100"/>
           </a:xfrm>
           <a:prstGeom prst="rect">
             <a:avLst/>
@@ -522,8 +527,8 @@
         </p:nvSpPr>
         <p:spPr>
           <a:xfrm>
-            <a:off x="1524000" y="1122363"/>
-            <a:ext cx="9144000" cy="2387600"/>
+            <a:off x="742950" y="1122363"/>
+            <a:ext cx="8420100" cy="2387600"/>
           </a:xfrm>
         </p:spPr>
         <p:txBody>
@@ -554,8 +559,8 @@
         </p:nvSpPr>
         <p:spPr>
           <a:xfrm>
-            <a:off x="1524000" y="3602038"/>
-            <a:ext cx="9144000" cy="1655762"/>
+            <a:off x="1238250" y="3602038"/>
+            <a:ext cx="7429500" cy="1655762"/>
           </a:xfrm>
         </p:spPr>
         <p:txBody>
@@ -675,7 +680,7 @@
     </p:spTree>
     <p:extLst>
       <p:ext uri="{BB962C8B-B14F-4D97-AF65-F5344CB8AC3E}">
-        <p14:creationId xmlns:p14="http://schemas.microsoft.com/office/powerpoint/2010/main" val="458986870"/>
+        <p14:creationId xmlns:p14="http://schemas.microsoft.com/office/powerpoint/2010/main" val="1895035339"/>
       </p:ext>
     </p:extLst>
   </p:cSld>
@@ -877,7 +882,7 @@
     </p:spTree>
     <p:extLst>
       <p:ext uri="{BB962C8B-B14F-4D97-AF65-F5344CB8AC3E}">
-        <p14:creationId xmlns:p14="http://schemas.microsoft.com/office/powerpoint/2010/main" val="3480810213"/>
+        <p14:creationId xmlns:p14="http://schemas.microsoft.com/office/powerpoint/2010/main" val="2209250532"/>
       </p:ext>
     </p:extLst>
   </p:cSld>
@@ -916,8 +921,8 @@
         </p:nvSpPr>
         <p:spPr>
           <a:xfrm>
-            <a:off x="8724900" y="365125"/>
-            <a:ext cx="2628900" cy="5811838"/>
+            <a:off x="7088982" y="365125"/>
+            <a:ext cx="2135981" cy="5811838"/>
           </a:xfrm>
         </p:spPr>
         <p:txBody>
@@ -944,8 +949,8 @@
         </p:nvSpPr>
         <p:spPr>
           <a:xfrm>
-            <a:off x="838200" y="365125"/>
-            <a:ext cx="7734300" cy="5811838"/>
+            <a:off x="681038" y="365125"/>
+            <a:ext cx="6284119" cy="5811838"/>
           </a:xfrm>
         </p:spPr>
         <p:txBody>
@@ -1089,7 +1094,7 @@
     </p:spTree>
     <p:extLst>
       <p:ext uri="{BB962C8B-B14F-4D97-AF65-F5344CB8AC3E}">
-        <p14:creationId xmlns:p14="http://schemas.microsoft.com/office/powerpoint/2010/main" val="2559673680"/>
+        <p14:creationId xmlns:p14="http://schemas.microsoft.com/office/powerpoint/2010/main" val="2987297386"/>
       </p:ext>
     </p:extLst>
   </p:cSld>
@@ -1291,7 +1296,7 @@
     </p:spTree>
     <p:extLst>
       <p:ext uri="{BB962C8B-B14F-4D97-AF65-F5344CB8AC3E}">
-        <p14:creationId xmlns:p14="http://schemas.microsoft.com/office/powerpoint/2010/main" val="1869220631"/>
+        <p14:creationId xmlns:p14="http://schemas.microsoft.com/office/powerpoint/2010/main" val="1597126961"/>
       </p:ext>
     </p:extLst>
   </p:cSld>
@@ -1330,8 +1335,8 @@
         </p:nvSpPr>
         <p:spPr>
           <a:xfrm>
-            <a:off x="831850" y="1709738"/>
-            <a:ext cx="10515600" cy="2852737"/>
+            <a:off x="675879" y="1709740"/>
+            <a:ext cx="8543925" cy="2852737"/>
           </a:xfrm>
         </p:spPr>
         <p:txBody>
@@ -1362,8 +1367,8 @@
         </p:nvSpPr>
         <p:spPr>
           <a:xfrm>
-            <a:off x="831850" y="4589463"/>
-            <a:ext cx="10515600" cy="1500187"/>
+            <a:off x="675879" y="4589465"/>
+            <a:ext cx="8543925" cy="1500187"/>
           </a:xfrm>
         </p:spPr>
         <p:txBody>
@@ -1373,9 +1378,7 @@
               <a:buNone/>
               <a:defRPr sz="2400">
                 <a:solidFill>
-                  <a:schemeClr val="tx1">
-                    <a:tint val="75000"/>
-                  </a:schemeClr>
+                  <a:schemeClr val="tx1"/>
                 </a:solidFill>
               </a:defRPr>
             </a:lvl1pPr>
@@ -1537,7 +1540,7 @@
     </p:spTree>
     <p:extLst>
       <p:ext uri="{BB962C8B-B14F-4D97-AF65-F5344CB8AC3E}">
-        <p14:creationId xmlns:p14="http://schemas.microsoft.com/office/powerpoint/2010/main" val="4122724237"/>
+        <p14:creationId xmlns:p14="http://schemas.microsoft.com/office/powerpoint/2010/main" val="2340965844"/>
       </p:ext>
     </p:extLst>
   </p:cSld>
@@ -1599,8 +1602,8 @@
         </p:nvSpPr>
         <p:spPr>
           <a:xfrm>
-            <a:off x="838200" y="1825625"/>
-            <a:ext cx="5181600" cy="4351338"/>
+            <a:off x="681038" y="1825625"/>
+            <a:ext cx="4210050" cy="4351338"/>
           </a:xfrm>
         </p:spPr>
         <p:txBody>
@@ -1688,8 +1691,8 @@
         </p:nvSpPr>
         <p:spPr>
           <a:xfrm>
-            <a:off x="6172200" y="1825625"/>
-            <a:ext cx="5181600" cy="4351338"/>
+            <a:off x="5014913" y="1825625"/>
+            <a:ext cx="4210050" cy="4351338"/>
           </a:xfrm>
         </p:spPr>
         <p:txBody>
@@ -1833,7 +1836,7 @@
     </p:spTree>
     <p:extLst>
       <p:ext uri="{BB962C8B-B14F-4D97-AF65-F5344CB8AC3E}">
-        <p14:creationId xmlns:p14="http://schemas.microsoft.com/office/powerpoint/2010/main" val="3451172781"/>
+        <p14:creationId xmlns:p14="http://schemas.microsoft.com/office/powerpoint/2010/main" val="1332386071"/>
       </p:ext>
     </p:extLst>
   </p:cSld>
@@ -1872,8 +1875,8 @@
         </p:nvSpPr>
         <p:spPr>
           <a:xfrm>
-            <a:off x="839788" y="365125"/>
-            <a:ext cx="10515600" cy="1325563"/>
+            <a:off x="682328" y="365127"/>
+            <a:ext cx="8543925" cy="1325563"/>
           </a:xfrm>
         </p:spPr>
         <p:txBody>
@@ -1900,8 +1903,8 @@
         </p:nvSpPr>
         <p:spPr>
           <a:xfrm>
-            <a:off x="839788" y="1681163"/>
-            <a:ext cx="5157787" cy="823912"/>
+            <a:off x="682329" y="1681163"/>
+            <a:ext cx="4190702" cy="823912"/>
           </a:xfrm>
         </p:spPr>
         <p:txBody>
@@ -1965,8 +1968,8 @@
         </p:nvSpPr>
         <p:spPr>
           <a:xfrm>
-            <a:off x="839788" y="2505075"/>
-            <a:ext cx="5157787" cy="3684588"/>
+            <a:off x="682329" y="2505075"/>
+            <a:ext cx="4190702" cy="3684588"/>
           </a:xfrm>
         </p:spPr>
         <p:txBody>
@@ -2054,8 +2057,8 @@
         </p:nvSpPr>
         <p:spPr>
           <a:xfrm>
-            <a:off x="6172200" y="1681163"/>
-            <a:ext cx="5183188" cy="823912"/>
+            <a:off x="5014913" y="1681163"/>
+            <a:ext cx="4211340" cy="823912"/>
           </a:xfrm>
         </p:spPr>
         <p:txBody>
@@ -2119,8 +2122,8 @@
         </p:nvSpPr>
         <p:spPr>
           <a:xfrm>
-            <a:off x="6172200" y="2505075"/>
-            <a:ext cx="5183188" cy="3684588"/>
+            <a:off x="5014913" y="2505075"/>
+            <a:ext cx="4211340" cy="3684588"/>
           </a:xfrm>
         </p:spPr>
         <p:txBody>
@@ -2264,7 +2267,7 @@
     </p:spTree>
     <p:extLst>
       <p:ext uri="{BB962C8B-B14F-4D97-AF65-F5344CB8AC3E}">
-        <p14:creationId xmlns:p14="http://schemas.microsoft.com/office/powerpoint/2010/main" val="964408491"/>
+        <p14:creationId xmlns:p14="http://schemas.microsoft.com/office/powerpoint/2010/main" val="1055534259"/>
       </p:ext>
     </p:extLst>
   </p:cSld>
@@ -2382,7 +2385,7 @@
     </p:spTree>
     <p:extLst>
       <p:ext uri="{BB962C8B-B14F-4D97-AF65-F5344CB8AC3E}">
-        <p14:creationId xmlns:p14="http://schemas.microsoft.com/office/powerpoint/2010/main" val="2648226510"/>
+        <p14:creationId xmlns:p14="http://schemas.microsoft.com/office/powerpoint/2010/main" val="3035926265"/>
       </p:ext>
     </p:extLst>
   </p:cSld>
@@ -2477,7 +2480,7 @@
     </p:spTree>
     <p:extLst>
       <p:ext uri="{BB962C8B-B14F-4D97-AF65-F5344CB8AC3E}">
-        <p14:creationId xmlns:p14="http://schemas.microsoft.com/office/powerpoint/2010/main" val="2665012435"/>
+        <p14:creationId xmlns:p14="http://schemas.microsoft.com/office/powerpoint/2010/main" val="621778743"/>
       </p:ext>
     </p:extLst>
   </p:cSld>
@@ -2516,8 +2519,8 @@
         </p:nvSpPr>
         <p:spPr>
           <a:xfrm>
-            <a:off x="839788" y="457200"/>
-            <a:ext cx="3932237" cy="1600200"/>
+            <a:off x="682328" y="457200"/>
+            <a:ext cx="3194943" cy="1600200"/>
           </a:xfrm>
         </p:spPr>
         <p:txBody>
@@ -2548,8 +2551,8 @@
         </p:nvSpPr>
         <p:spPr>
           <a:xfrm>
-            <a:off x="5183188" y="987425"/>
-            <a:ext cx="6172200" cy="4873625"/>
+            <a:off x="4211340" y="987427"/>
+            <a:ext cx="5014913" cy="4873625"/>
           </a:xfrm>
         </p:spPr>
         <p:txBody>
@@ -2665,8 +2668,8 @@
         </p:nvSpPr>
         <p:spPr>
           <a:xfrm>
-            <a:off x="839788" y="2057400"/>
-            <a:ext cx="3932237" cy="3811588"/>
+            <a:off x="682328" y="2057400"/>
+            <a:ext cx="3194943" cy="3811588"/>
           </a:xfrm>
         </p:spPr>
         <p:txBody>
@@ -2786,7 +2789,7 @@
     </p:spTree>
     <p:extLst>
       <p:ext uri="{BB962C8B-B14F-4D97-AF65-F5344CB8AC3E}">
-        <p14:creationId xmlns:p14="http://schemas.microsoft.com/office/powerpoint/2010/main" val="2186897383"/>
+        <p14:creationId xmlns:p14="http://schemas.microsoft.com/office/powerpoint/2010/main" val="1713240533"/>
       </p:ext>
     </p:extLst>
   </p:cSld>
@@ -2825,8 +2828,8 @@
         </p:nvSpPr>
         <p:spPr>
           <a:xfrm>
-            <a:off x="839788" y="457200"/>
-            <a:ext cx="3932237" cy="1600200"/>
+            <a:off x="682328" y="457200"/>
+            <a:ext cx="3194943" cy="1600200"/>
           </a:xfrm>
         </p:spPr>
         <p:txBody>
@@ -2857,8 +2860,8 @@
         </p:nvSpPr>
         <p:spPr>
           <a:xfrm>
-            <a:off x="5183188" y="987425"/>
-            <a:ext cx="6172200" cy="4873625"/>
+            <a:off x="4211340" y="987427"/>
+            <a:ext cx="5014913" cy="4873625"/>
           </a:xfrm>
         </p:spPr>
         <p:txBody>
@@ -2922,8 +2925,8 @@
         </p:nvSpPr>
         <p:spPr>
           <a:xfrm>
-            <a:off x="839788" y="2057400"/>
-            <a:ext cx="3932237" cy="3811588"/>
+            <a:off x="682328" y="2057400"/>
+            <a:ext cx="3194943" cy="3811588"/>
           </a:xfrm>
         </p:spPr>
         <p:txBody>
@@ -3043,7 +3046,7 @@
     </p:spTree>
     <p:extLst>
       <p:ext uri="{BB962C8B-B14F-4D97-AF65-F5344CB8AC3E}">
-        <p14:creationId xmlns:p14="http://schemas.microsoft.com/office/powerpoint/2010/main" val="1001094148"/>
+        <p14:creationId xmlns:p14="http://schemas.microsoft.com/office/powerpoint/2010/main" val="4217250758"/>
       </p:ext>
     </p:extLst>
   </p:cSld>
@@ -3087,8 +3090,8 @@
         </p:nvSpPr>
         <p:spPr>
           <a:xfrm>
-            <a:off x="838200" y="365125"/>
-            <a:ext cx="10515600" cy="1325563"/>
+            <a:off x="681038" y="365127"/>
+            <a:ext cx="8543925" cy="1325563"/>
           </a:xfrm>
           <a:prstGeom prst="rect">
             <a:avLst/>
@@ -3120,8 +3123,8 @@
         </p:nvSpPr>
         <p:spPr>
           <a:xfrm>
-            <a:off x="838200" y="1825625"/>
-            <a:ext cx="10515600" cy="4351338"/>
+            <a:off x="681038" y="1825625"/>
+            <a:ext cx="8543925" cy="4351338"/>
           </a:xfrm>
           <a:prstGeom prst="rect">
             <a:avLst/>
@@ -3214,8 +3217,8 @@
         </p:nvSpPr>
         <p:spPr>
           <a:xfrm>
-            <a:off x="838200" y="6356350"/>
-            <a:ext cx="2743200" cy="365125"/>
+            <a:off x="681038" y="6356352"/>
+            <a:ext cx="2228850" cy="365125"/>
           </a:xfrm>
           <a:prstGeom prst="rect">
             <a:avLst/>
@@ -3255,8 +3258,8 @@
         </p:nvSpPr>
         <p:spPr>
           <a:xfrm>
-            <a:off x="4038600" y="6356350"/>
-            <a:ext cx="4114800" cy="365125"/>
+            <a:off x="3281363" y="6356352"/>
+            <a:ext cx="3343275" cy="365125"/>
           </a:xfrm>
           <a:prstGeom prst="rect">
             <a:avLst/>
@@ -3292,8 +3295,8 @@
         </p:nvSpPr>
         <p:spPr>
           <a:xfrm>
-            <a:off x="8610600" y="6356350"/>
-            <a:ext cx="2743200" cy="365125"/>
+            <a:off x="6996113" y="6356352"/>
+            <a:ext cx="2228850" cy="365125"/>
           </a:xfrm>
           <a:prstGeom prst="rect">
             <a:avLst/>
@@ -3324,23 +3327,23 @@
     </p:spTree>
     <p:extLst>
       <p:ext uri="{BB962C8B-B14F-4D97-AF65-F5344CB8AC3E}">
-        <p14:creationId xmlns:p14="http://schemas.microsoft.com/office/powerpoint/2010/main" val="963538010"/>
+        <p14:creationId xmlns:p14="http://schemas.microsoft.com/office/powerpoint/2010/main" val="2548958610"/>
       </p:ext>
     </p:extLst>
   </p:cSld>
   <p:clrMap bg1="lt1" tx1="dk1" bg2="lt2" tx2="dk2" accent1="accent1" accent2="accent2" accent3="accent3" accent4="accent4" accent5="accent5" accent6="accent6" hlink="hlink" folHlink="folHlink"/>
   <p:sldLayoutIdLst>
-    <p:sldLayoutId id="2147483685" r:id="rId1"/>
-    <p:sldLayoutId id="2147483686" r:id="rId2"/>
-    <p:sldLayoutId id="2147483687" r:id="rId3"/>
-    <p:sldLayoutId id="2147483688" r:id="rId4"/>
-    <p:sldLayoutId id="2147483689" r:id="rId5"/>
-    <p:sldLayoutId id="2147483690" r:id="rId6"/>
-    <p:sldLayoutId id="2147483691" r:id="rId7"/>
-    <p:sldLayoutId id="2147483692" r:id="rId8"/>
-    <p:sldLayoutId id="2147483693" r:id="rId9"/>
-    <p:sldLayoutId id="2147483694" r:id="rId10"/>
-    <p:sldLayoutId id="2147483695" r:id="rId11"/>
+    <p:sldLayoutId id="2147483697" r:id="rId1"/>
+    <p:sldLayoutId id="2147483698" r:id="rId2"/>
+    <p:sldLayoutId id="2147483699" r:id="rId3"/>
+    <p:sldLayoutId id="2147483700" r:id="rId4"/>
+    <p:sldLayoutId id="2147483701" r:id="rId5"/>
+    <p:sldLayoutId id="2147483702" r:id="rId6"/>
+    <p:sldLayoutId id="2147483703" r:id="rId7"/>
+    <p:sldLayoutId id="2147483704" r:id="rId8"/>
+    <p:sldLayoutId id="2147483705" r:id="rId9"/>
+    <p:sldLayoutId id="2147483706" r:id="rId10"/>
+    <p:sldLayoutId id="2147483707" r:id="rId11"/>
   </p:sldLayoutIdLst>
   <p:txStyles>
     <p:titleStyle>
@@ -3642,780 +3645,1190 @@
           <a:chExt cx="0" cy="0"/>
         </a:xfrm>
       </p:grpSpPr>
-      <p:pic>
-        <p:nvPicPr>
-          <p:cNvPr id="4" name="図 3"/>
-          <p:cNvPicPr>
-            <a:picLocks noChangeAspect="1"/>
-          </p:cNvPicPr>
+      <p:grpSp>
+        <p:nvGrpSpPr>
+          <p:cNvPr id="44" name="グループ化 43"/>
+          <p:cNvGrpSpPr/>
           <p:nvPr/>
-        </p:nvPicPr>
-        <p:blipFill>
-          <a:blip r:embed="rId2">
-            <a:extLst>
-              <a:ext uri="{28A0092B-C50C-407E-A947-70E740481C1C}">
-                <a14:useLocalDpi xmlns:a14="http://schemas.microsoft.com/office/drawing/2010/main" val="0"/>
-              </a:ext>
-            </a:extLst>
-          </a:blip>
-          <a:stretch>
-            <a:fillRect/>
-          </a:stretch>
-        </p:blipFill>
-        <p:spPr>
+        </p:nvGrpSpPr>
+        <p:grpSpPr>
           <a:xfrm>
-            <a:off x="3024555" y="1777352"/>
-            <a:ext cx="6497516" cy="4265163"/>
+            <a:off x="1" y="0"/>
+            <a:ext cx="9906000" cy="6858000"/>
+            <a:chOff x="1" y="0"/>
+            <a:chExt cx="9906000" cy="6858000"/>
           </a:xfrm>
-          <a:prstGeom prst="rect">
-            <a:avLst/>
-          </a:prstGeom>
-        </p:spPr>
-      </p:pic>
-      <p:sp>
-        <p:nvSpPr>
-          <p:cNvPr id="5" name="ドーナツ 4"/>
-          <p:cNvSpPr/>
-          <p:nvPr/>
-        </p:nvSpPr>
-        <p:spPr>
-          <a:xfrm>
-            <a:off x="4668719" y="3886202"/>
-            <a:ext cx="1415561" cy="1397975"/>
-          </a:xfrm>
-          <a:prstGeom prst="donut">
-            <a:avLst>
-              <a:gd name="adj" fmla="val 11869"/>
-            </a:avLst>
-          </a:prstGeom>
-          <a:solidFill>
-            <a:srgbClr val="FF0000"/>
-          </a:solidFill>
-          <a:ln w="12700">
+        </p:grpSpPr>
+        <p:pic>
+          <p:nvPicPr>
+            <p:cNvPr id="2" name="図 1"/>
+            <p:cNvPicPr>
+              <a:picLocks noChangeAspect="1"/>
+            </p:cNvPicPr>
+            <p:nvPr/>
+          </p:nvPicPr>
+          <p:blipFill>
+            <a:blip r:embed="rId2">
+              <a:extLst>
+                <a:ext uri="{28A0092B-C50C-407E-A947-70E740481C1C}">
+                  <a14:useLocalDpi xmlns:a14="http://schemas.microsoft.com/office/drawing/2010/main" val="0"/>
+                </a:ext>
+              </a:extLst>
+            </a:blip>
+            <a:stretch>
+              <a:fillRect/>
+            </a:stretch>
+          </p:blipFill>
+          <p:spPr>
+            <a:xfrm>
+              <a:off x="1" y="0"/>
+              <a:ext cx="9906000" cy="6858000"/>
+            </a:xfrm>
+            <a:prstGeom prst="rect">
+              <a:avLst/>
+            </a:prstGeom>
+          </p:spPr>
+        </p:pic>
+        <p:sp>
+          <p:nvSpPr>
+            <p:cNvPr id="34" name="正方形/長方形 33"/>
+            <p:cNvSpPr/>
+            <p:nvPr/>
+          </p:nvSpPr>
+          <p:spPr>
+            <a:xfrm>
+              <a:off x="71120" y="88388"/>
+              <a:ext cx="9632864" cy="6674087"/>
+            </a:xfrm>
+            <a:prstGeom prst="rect">
+              <a:avLst/>
+            </a:prstGeom>
             <a:solidFill>
-              <a:schemeClr val="bg1"/>
+              <a:schemeClr val="tx1">
+                <a:alpha val="25000"/>
+              </a:schemeClr>
             </a:solidFill>
-          </a:ln>
-        </p:spPr>
-        <p:style>
-          <a:lnRef idx="2">
-            <a:schemeClr val="accent1">
-              <a:shade val="50000"/>
-            </a:schemeClr>
-          </a:lnRef>
-          <a:fillRef idx="1">
-            <a:schemeClr val="accent1"/>
-          </a:fillRef>
-          <a:effectRef idx="0">
-            <a:schemeClr val="accent1"/>
-          </a:effectRef>
-          <a:fontRef idx="minor">
-            <a:schemeClr val="lt1"/>
-          </a:fontRef>
-        </p:style>
-        <p:txBody>
-          <a:bodyPr rot="0" spcFirstLastPara="0" vertOverflow="overflow" horzOverflow="overflow" vert="horz" wrap="square" lIns="91440" tIns="45720" rIns="91440" bIns="45720" numCol="1" spcCol="0" rtlCol="0" fromWordArt="0" anchor="ctr" anchorCtr="0" forceAA="0" compatLnSpc="1">
-            <a:prstTxWarp prst="textNoShape">
+            <a:ln>
+              <a:noFill/>
+            </a:ln>
+          </p:spPr>
+          <p:style>
+            <a:lnRef idx="2">
+              <a:schemeClr val="accent1">
+                <a:shade val="50000"/>
+              </a:schemeClr>
+            </a:lnRef>
+            <a:fillRef idx="1">
+              <a:schemeClr val="accent1"/>
+            </a:fillRef>
+            <a:effectRef idx="0">
+              <a:schemeClr val="accent1"/>
+            </a:effectRef>
+            <a:fontRef idx="minor">
+              <a:schemeClr val="lt1"/>
+            </a:fontRef>
+          </p:style>
+          <p:txBody>
+            <a:bodyPr rtlCol="0" anchor="ctr"/>
+            <a:lstStyle/>
+            <a:p>
+              <a:pPr algn="ctr"/>
+              <a:endParaRPr kumimoji="1" lang="ja-JP" altLang="en-US"/>
+            </a:p>
+          </p:txBody>
+        </p:sp>
+        <p:pic>
+          <p:nvPicPr>
+            <p:cNvPr id="4" name="図 3"/>
+            <p:cNvPicPr>
+              <a:picLocks noChangeAspect="1"/>
+            </p:cNvPicPr>
+            <p:nvPr/>
+          </p:nvPicPr>
+          <p:blipFill>
+            <a:blip r:embed="rId3">
+              <a:extLst>
+                <a:ext uri="{28A0092B-C50C-407E-A947-70E740481C1C}">
+                  <a14:useLocalDpi xmlns:a14="http://schemas.microsoft.com/office/drawing/2010/main" val="0"/>
+                </a:ext>
+              </a:extLst>
+            </a:blip>
+            <a:stretch>
+              <a:fillRect/>
+            </a:stretch>
+          </p:blipFill>
+          <p:spPr>
+            <a:xfrm>
+              <a:off x="1828464" y="1795638"/>
+              <a:ext cx="6497516" cy="4265163"/>
+            </a:xfrm>
+            <a:prstGeom prst="rect">
               <a:avLst/>
-            </a:prstTxWarp>
-            <a:noAutofit/>
-          </a:bodyPr>
-          <a:lstStyle/>
-          <a:p>
-            <a:pPr algn="ctr"/>
-            <a:endParaRPr lang="ja-JP" altLang="en-US">
-              <a:solidFill>
-                <a:schemeClr val="tx1"/>
-              </a:solidFill>
-            </a:endParaRPr>
-          </a:p>
-        </p:txBody>
-      </p:sp>
-      <p:cxnSp>
-        <p:nvCxnSpPr>
-          <p:cNvPr id="7" name="カギ線コネクタ 6"/>
-          <p:cNvCxnSpPr>
-            <a:stCxn id="16" idx="2"/>
-            <a:endCxn id="5" idx="2"/>
-          </p:cNvCxnSpPr>
-          <p:nvPr/>
-        </p:nvCxnSpPr>
-        <p:spPr>
-          <a:xfrm rot="16200000" flipH="1">
-            <a:off x="2701486" y="2617960"/>
-            <a:ext cx="870340" cy="3064119"/>
-          </a:xfrm>
-          <a:prstGeom prst="bentConnector2">
-            <a:avLst/>
-          </a:prstGeom>
-          <a:ln w="76200">
+            </a:prstGeom>
+          </p:spPr>
+        </p:pic>
+        <p:sp>
+          <p:nvSpPr>
+            <p:cNvPr id="5" name="ドーナツ 4"/>
+            <p:cNvSpPr/>
+            <p:nvPr/>
+          </p:nvSpPr>
+          <p:spPr>
+            <a:xfrm>
+              <a:off x="3525720" y="3886203"/>
+              <a:ext cx="1415561" cy="1397975"/>
+            </a:xfrm>
+            <a:prstGeom prst="donut">
+              <a:avLst>
+                <a:gd name="adj" fmla="val 11869"/>
+              </a:avLst>
+            </a:prstGeom>
             <a:solidFill>
               <a:srgbClr val="FF0000"/>
             </a:solidFill>
-          </a:ln>
-          <a:effectLst/>
-        </p:spPr>
-        <p:style>
-          <a:lnRef idx="1">
-            <a:schemeClr val="accent1"/>
-          </a:lnRef>
-          <a:fillRef idx="0">
-            <a:schemeClr val="accent1"/>
-          </a:fillRef>
-          <a:effectRef idx="0">
-            <a:schemeClr val="accent1"/>
-          </a:effectRef>
-          <a:fontRef idx="minor">
-            <a:schemeClr val="tx1"/>
-          </a:fontRef>
-        </p:style>
-      </p:cxnSp>
-      <p:sp>
-        <p:nvSpPr>
-          <p:cNvPr id="16" name="テキスト ボックス 15"/>
-          <p:cNvSpPr txBox="1"/>
-          <p:nvPr/>
-        </p:nvSpPr>
-        <p:spPr>
-          <a:xfrm>
-            <a:off x="298940" y="3068519"/>
-            <a:ext cx="2611315" cy="646331"/>
-          </a:xfrm>
-          <a:prstGeom prst="rect">
-            <a:avLst/>
-          </a:prstGeom>
-          <a:solidFill>
-            <a:schemeClr val="tx1">
-              <a:lumMod val="75000"/>
-              <a:lumOff val="25000"/>
-            </a:schemeClr>
-          </a:solidFill>
-          <a:ln w="57150">
+            <a:ln w="12700">
+              <a:solidFill>
+                <a:schemeClr val="bg1"/>
+              </a:solidFill>
+            </a:ln>
+          </p:spPr>
+          <p:style>
+            <a:lnRef idx="2">
+              <a:schemeClr val="accent1">
+                <a:shade val="50000"/>
+              </a:schemeClr>
+            </a:lnRef>
+            <a:fillRef idx="1">
+              <a:schemeClr val="accent1"/>
+            </a:fillRef>
+            <a:effectRef idx="0">
+              <a:schemeClr val="accent1"/>
+            </a:effectRef>
+            <a:fontRef idx="minor">
+              <a:schemeClr val="lt1"/>
+            </a:fontRef>
+          </p:style>
+          <p:txBody>
+            <a:bodyPr rot="0" spcFirstLastPara="0" vertOverflow="overflow" horzOverflow="overflow" vert="horz" wrap="square" lIns="91440" tIns="45720" rIns="91440" bIns="45720" numCol="1" spcCol="0" rtlCol="0" fromWordArt="0" anchor="ctr" anchorCtr="0" forceAA="0" compatLnSpc="1">
+              <a:prstTxWarp prst="textNoShape">
+                <a:avLst/>
+              </a:prstTxWarp>
+              <a:noAutofit/>
+            </a:bodyPr>
+            <a:lstStyle/>
+            <a:p>
+              <a:pPr algn="ctr"/>
+              <a:endParaRPr lang="ja-JP" altLang="en-US">
+                <a:solidFill>
+                  <a:schemeClr val="tx1"/>
+                </a:solidFill>
+                <a:latin typeface="FOT-ゴスペル Std EB" panose="02020900000000000000" pitchFamily="18" charset="-128"/>
+                <a:ea typeface="FOT-ゴスペル Std EB" panose="02020900000000000000" pitchFamily="18" charset="-128"/>
+              </a:endParaRPr>
+            </a:p>
+          </p:txBody>
+        </p:sp>
+        <p:cxnSp>
+          <p:nvCxnSpPr>
+            <p:cNvPr id="7" name="カギ線コネクタ 6"/>
+            <p:cNvCxnSpPr>
+              <a:stCxn id="36" idx="0"/>
+              <a:endCxn id="5" idx="2"/>
+            </p:cNvCxnSpPr>
+            <p:nvPr/>
+          </p:nvCxnSpPr>
+          <p:spPr>
+            <a:xfrm rot="5400000" flipH="1" flipV="1">
+              <a:off x="2425925" y="4252592"/>
+              <a:ext cx="767195" cy="1432395"/>
+            </a:xfrm>
+            <a:prstGeom prst="bentConnector2">
+              <a:avLst/>
+            </a:prstGeom>
+            <a:ln w="76200">
+              <a:solidFill>
+                <a:srgbClr val="FF0000"/>
+              </a:solidFill>
+            </a:ln>
+            <a:effectLst/>
+          </p:spPr>
+          <p:style>
+            <a:lnRef idx="1">
+              <a:schemeClr val="accent1"/>
+            </a:lnRef>
+            <a:fillRef idx="0">
+              <a:schemeClr val="accent1"/>
+            </a:fillRef>
+            <a:effectRef idx="0">
+              <a:schemeClr val="accent1"/>
+            </a:effectRef>
+            <a:fontRef idx="minor">
+              <a:schemeClr val="tx1"/>
+            </a:fontRef>
+          </p:style>
+        </p:cxnSp>
+        <p:sp>
+          <p:nvSpPr>
+            <p:cNvPr id="19" name="ドーナツ 18"/>
+            <p:cNvSpPr/>
+            <p:nvPr/>
+          </p:nvSpPr>
+          <p:spPr>
+            <a:xfrm>
+              <a:off x="5269527" y="3912579"/>
+              <a:ext cx="1368669" cy="1312983"/>
+            </a:xfrm>
+            <a:prstGeom prst="donut">
+              <a:avLst>
+                <a:gd name="adj" fmla="val 11869"/>
+              </a:avLst>
+            </a:prstGeom>
             <a:solidFill>
               <a:srgbClr val="FF0000"/>
             </a:solidFill>
-          </a:ln>
-        </p:spPr>
-        <p:txBody>
-          <a:bodyPr wrap="square" rtlCol="0">
-            <a:spAutoFit/>
-          </a:bodyPr>
-          <a:lstStyle/>
-          <a:p>
-            <a:pPr algn="ctr"/>
-            <a:r>
-              <a:rPr lang="ja-JP" altLang="en-US" sz="3600" dirty="0">
+            <a:ln w="12700">
+              <a:solidFill>
+                <a:schemeClr val="bg1"/>
+              </a:solidFill>
+            </a:ln>
+          </p:spPr>
+          <p:style>
+            <a:lnRef idx="2">
+              <a:schemeClr val="accent1">
+                <a:shade val="50000"/>
+              </a:schemeClr>
+            </a:lnRef>
+            <a:fillRef idx="1">
+              <a:schemeClr val="accent1"/>
+            </a:fillRef>
+            <a:effectRef idx="0">
+              <a:schemeClr val="accent1"/>
+            </a:effectRef>
+            <a:fontRef idx="minor">
+              <a:schemeClr val="lt1"/>
+            </a:fontRef>
+          </p:style>
+          <p:txBody>
+            <a:bodyPr rot="0" spcFirstLastPara="0" vertOverflow="overflow" horzOverflow="overflow" vert="horz" wrap="square" lIns="91440" tIns="45720" rIns="91440" bIns="45720" numCol="1" spcCol="0" rtlCol="0" fromWordArt="0" anchor="ctr" anchorCtr="0" forceAA="0" compatLnSpc="1">
+              <a:prstTxWarp prst="textNoShape">
+                <a:avLst/>
+              </a:prstTxWarp>
+              <a:noAutofit/>
+            </a:bodyPr>
+            <a:lstStyle/>
+            <a:p>
+              <a:pPr algn="ctr"/>
+              <a:endParaRPr lang="ja-JP" altLang="en-US">
                 <a:solidFill>
-                  <a:schemeClr val="bg1"/>
+                  <a:schemeClr val="tx1"/>
                 </a:solidFill>
-                <a:latin typeface="HGS明朝B" panose="02020800000000000000" pitchFamily="18" charset="-128"/>
-                <a:ea typeface="HGS明朝B" panose="02020800000000000000" pitchFamily="18" charset="-128"/>
-              </a:rPr>
-              <a:t>移動</a:t>
-            </a:r>
-          </a:p>
-        </p:txBody>
-      </p:sp>
-      <p:sp>
-        <p:nvSpPr>
-          <p:cNvPr id="19" name="ドーナツ 18"/>
-          <p:cNvSpPr/>
-          <p:nvPr/>
-        </p:nvSpPr>
-        <p:spPr>
-          <a:xfrm>
-            <a:off x="6412526" y="3912578"/>
-            <a:ext cx="1368669" cy="1312983"/>
-          </a:xfrm>
-          <a:prstGeom prst="donut">
-            <a:avLst>
-              <a:gd name="adj" fmla="val 11869"/>
-            </a:avLst>
-          </a:prstGeom>
-          <a:solidFill>
-            <a:srgbClr val="FF0000"/>
-          </a:solidFill>
-          <a:ln w="12700">
-            <a:solidFill>
-              <a:schemeClr val="bg1"/>
-            </a:solidFill>
-          </a:ln>
-        </p:spPr>
-        <p:style>
-          <a:lnRef idx="2">
-            <a:schemeClr val="accent1">
-              <a:shade val="50000"/>
-            </a:schemeClr>
-          </a:lnRef>
-          <a:fillRef idx="1">
-            <a:schemeClr val="accent1"/>
-          </a:fillRef>
-          <a:effectRef idx="0">
-            <a:schemeClr val="accent1"/>
-          </a:effectRef>
-          <a:fontRef idx="minor">
-            <a:schemeClr val="lt1"/>
-          </a:fontRef>
-        </p:style>
-        <p:txBody>
-          <a:bodyPr rot="0" spcFirstLastPara="0" vertOverflow="overflow" horzOverflow="overflow" vert="horz" wrap="square" lIns="91440" tIns="45720" rIns="91440" bIns="45720" numCol="1" spcCol="0" rtlCol="0" fromWordArt="0" anchor="ctr" anchorCtr="0" forceAA="0" compatLnSpc="1">
-            <a:prstTxWarp prst="textNoShape">
+                <a:latin typeface="FOT-ゴスペル Std EB" panose="02020900000000000000" pitchFamily="18" charset="-128"/>
+                <a:ea typeface="FOT-ゴスペル Std EB" panose="02020900000000000000" pitchFamily="18" charset="-128"/>
+              </a:endParaRPr>
+            </a:p>
+          </p:txBody>
+        </p:sp>
+        <p:cxnSp>
+          <p:nvCxnSpPr>
+            <p:cNvPr id="20" name="カギ線コネクタ 19"/>
+            <p:cNvCxnSpPr>
+              <a:stCxn id="40" idx="0"/>
+              <a:endCxn id="19" idx="6"/>
+            </p:cNvCxnSpPr>
+            <p:nvPr/>
+          </p:nvCxnSpPr>
+          <p:spPr>
+            <a:xfrm rot="16200000" flipV="1">
+              <a:off x="6640381" y="4566887"/>
+              <a:ext cx="882151" cy="886519"/>
+            </a:xfrm>
+            <a:prstGeom prst="bentConnector2">
               <a:avLst/>
-            </a:prstTxWarp>
-            <a:noAutofit/>
-          </a:bodyPr>
-          <a:lstStyle/>
-          <a:p>
-            <a:pPr algn="ctr"/>
-            <a:endParaRPr lang="ja-JP" altLang="en-US">
+            </a:prstGeom>
+            <a:ln w="76200">
               <a:solidFill>
-                <a:schemeClr val="tx1"/>
+                <a:srgbClr val="FF0000"/>
               </a:solidFill>
-            </a:endParaRPr>
-          </a:p>
-        </p:txBody>
-      </p:sp>
-      <p:cxnSp>
-        <p:nvCxnSpPr>
-          <p:cNvPr id="20" name="カギ線コネクタ 19"/>
-          <p:cNvCxnSpPr>
-            <a:stCxn id="25" idx="2"/>
-            <a:endCxn id="19" idx="6"/>
-          </p:cNvCxnSpPr>
-          <p:nvPr/>
-        </p:nvCxnSpPr>
-        <p:spPr>
-          <a:xfrm rot="5400000" flipH="1">
-            <a:off x="9179853" y="3170406"/>
-            <a:ext cx="142242" cy="2939564"/>
-          </a:xfrm>
-          <a:prstGeom prst="bentConnector4">
-            <a:avLst>
-              <a:gd name="adj1" fmla="val -160712"/>
-              <a:gd name="adj2" fmla="val 71785"/>
-            </a:avLst>
-          </a:prstGeom>
-          <a:ln w="76200">
+            </a:ln>
+            <a:effectLst/>
+          </p:spPr>
+          <p:style>
+            <a:lnRef idx="1">
+              <a:schemeClr val="accent1"/>
+            </a:lnRef>
+            <a:fillRef idx="0">
+              <a:schemeClr val="accent1"/>
+            </a:fillRef>
+            <a:effectRef idx="0">
+              <a:schemeClr val="accent1"/>
+            </a:effectRef>
+            <a:fontRef idx="minor">
+              <a:schemeClr val="tx1"/>
+            </a:fontRef>
+          </p:style>
+        </p:cxnSp>
+        <p:sp>
+          <p:nvSpPr>
+            <p:cNvPr id="42" name="ドーナツ 41"/>
+            <p:cNvSpPr/>
+            <p:nvPr/>
+          </p:nvSpPr>
+          <p:spPr>
+            <a:xfrm>
+              <a:off x="2798889" y="1947337"/>
+              <a:ext cx="1131277" cy="622945"/>
+            </a:xfrm>
+            <a:prstGeom prst="donut">
+              <a:avLst>
+                <a:gd name="adj" fmla="val 11869"/>
+              </a:avLst>
+            </a:prstGeom>
             <a:solidFill>
               <a:srgbClr val="FF0000"/>
             </a:solidFill>
-          </a:ln>
-          <a:effectLst/>
-        </p:spPr>
-        <p:style>
-          <a:lnRef idx="1">
-            <a:schemeClr val="accent1"/>
-          </a:lnRef>
-          <a:fillRef idx="0">
-            <a:schemeClr val="accent1"/>
-          </a:fillRef>
-          <a:effectRef idx="0">
-            <a:schemeClr val="accent1"/>
-          </a:effectRef>
-          <a:fontRef idx="minor">
-            <a:schemeClr val="tx1"/>
-          </a:fontRef>
-        </p:style>
-      </p:cxnSp>
-      <p:sp>
-        <p:nvSpPr>
-          <p:cNvPr id="25" name="テキスト ボックス 24"/>
-          <p:cNvSpPr txBox="1"/>
-          <p:nvPr/>
-        </p:nvSpPr>
-        <p:spPr>
-          <a:xfrm>
-            <a:off x="9440013" y="4064981"/>
-            <a:ext cx="2561491" cy="646331"/>
-          </a:xfrm>
-          <a:prstGeom prst="rect">
-            <a:avLst/>
-          </a:prstGeom>
-          <a:solidFill>
-            <a:schemeClr val="tx1">
-              <a:lumMod val="75000"/>
-              <a:lumOff val="25000"/>
-            </a:schemeClr>
-          </a:solidFill>
-          <a:ln w="57150">
+            <a:ln w="12700">
+              <a:solidFill>
+                <a:schemeClr val="bg1"/>
+              </a:solidFill>
+            </a:ln>
+          </p:spPr>
+          <p:style>
+            <a:lnRef idx="2">
+              <a:schemeClr val="accent1">
+                <a:shade val="50000"/>
+              </a:schemeClr>
+            </a:lnRef>
+            <a:fillRef idx="1">
+              <a:schemeClr val="accent1"/>
+            </a:fillRef>
+            <a:effectRef idx="0">
+              <a:schemeClr val="accent1"/>
+            </a:effectRef>
+            <a:fontRef idx="minor">
+              <a:schemeClr val="lt1"/>
+            </a:fontRef>
+          </p:style>
+          <p:txBody>
+            <a:bodyPr rot="0" spcFirstLastPara="0" vertOverflow="overflow" horzOverflow="overflow" vert="horz" wrap="square" lIns="91440" tIns="45720" rIns="91440" bIns="45720" numCol="1" spcCol="0" rtlCol="0" fromWordArt="0" anchor="ctr" anchorCtr="0" forceAA="0" compatLnSpc="1">
+              <a:prstTxWarp prst="textNoShape">
+                <a:avLst/>
+              </a:prstTxWarp>
+              <a:noAutofit/>
+            </a:bodyPr>
+            <a:lstStyle/>
+            <a:p>
+              <a:pPr algn="ctr"/>
+              <a:endParaRPr lang="ja-JP" altLang="en-US">
+                <a:solidFill>
+                  <a:schemeClr val="tx1"/>
+                </a:solidFill>
+                <a:latin typeface="FOT-ゴスペル Std EB" panose="02020900000000000000" pitchFamily="18" charset="-128"/>
+                <a:ea typeface="FOT-ゴスペル Std EB" panose="02020900000000000000" pitchFamily="18" charset="-128"/>
+              </a:endParaRPr>
+            </a:p>
+          </p:txBody>
+        </p:sp>
+        <p:cxnSp>
+          <p:nvCxnSpPr>
+            <p:cNvPr id="43" name="カギ線コネクタ 42"/>
+            <p:cNvCxnSpPr>
+              <a:stCxn id="18" idx="3"/>
+              <a:endCxn id="42" idx="0"/>
+            </p:cNvCxnSpPr>
+            <p:nvPr/>
+          </p:nvCxnSpPr>
+          <p:spPr>
+            <a:xfrm>
+              <a:off x="2860433" y="1300489"/>
+              <a:ext cx="504095" cy="646848"/>
+            </a:xfrm>
+            <a:prstGeom prst="bentConnector2">
+              <a:avLst/>
+            </a:prstGeom>
+            <a:ln w="76200">
+              <a:solidFill>
+                <a:srgbClr val="FF0000"/>
+              </a:solidFill>
+            </a:ln>
+            <a:effectLst/>
+          </p:spPr>
+          <p:style>
+            <a:lnRef idx="1">
+              <a:schemeClr val="accent1"/>
+            </a:lnRef>
+            <a:fillRef idx="0">
+              <a:schemeClr val="accent1"/>
+            </a:fillRef>
+            <a:effectRef idx="0">
+              <a:schemeClr val="accent1"/>
+            </a:effectRef>
+            <a:fontRef idx="minor">
+              <a:schemeClr val="tx1"/>
+            </a:fontRef>
+          </p:style>
+        </p:cxnSp>
+        <p:sp>
+          <p:nvSpPr>
+            <p:cNvPr id="54" name="ドーナツ 53"/>
+            <p:cNvSpPr/>
+            <p:nvPr/>
+          </p:nvSpPr>
+          <p:spPr>
+            <a:xfrm>
+              <a:off x="6300824" y="1937077"/>
+              <a:ext cx="1093177" cy="643463"/>
+            </a:xfrm>
+            <a:prstGeom prst="donut">
+              <a:avLst>
+                <a:gd name="adj" fmla="val 11869"/>
+              </a:avLst>
+            </a:prstGeom>
             <a:solidFill>
               <a:srgbClr val="FF0000"/>
             </a:solidFill>
-          </a:ln>
-        </p:spPr>
-        <p:txBody>
-          <a:bodyPr wrap="square" rtlCol="0">
-            <a:spAutoFit/>
-          </a:bodyPr>
-          <a:lstStyle/>
-          <a:p>
-            <a:pPr algn="ctr"/>
-            <a:r>
-              <a:rPr lang="ja-JP" altLang="en-US" sz="3600" dirty="0">
+            <a:ln w="12700">
+              <a:solidFill>
+                <a:schemeClr val="bg1"/>
+              </a:solidFill>
+            </a:ln>
+          </p:spPr>
+          <p:style>
+            <a:lnRef idx="2">
+              <a:schemeClr val="accent1">
+                <a:shade val="50000"/>
+              </a:schemeClr>
+            </a:lnRef>
+            <a:fillRef idx="1">
+              <a:schemeClr val="accent1"/>
+            </a:fillRef>
+            <a:effectRef idx="0">
+              <a:schemeClr val="accent1"/>
+            </a:effectRef>
+            <a:fontRef idx="minor">
+              <a:schemeClr val="lt1"/>
+            </a:fontRef>
+          </p:style>
+          <p:txBody>
+            <a:bodyPr rot="0" spcFirstLastPara="0" vertOverflow="overflow" horzOverflow="overflow" vert="horz" wrap="square" lIns="91440" tIns="45720" rIns="91440" bIns="45720" numCol="1" spcCol="0" rtlCol="0" fromWordArt="0" anchor="ctr" anchorCtr="0" forceAA="0" compatLnSpc="1">
+              <a:prstTxWarp prst="textNoShape">
+                <a:avLst/>
+              </a:prstTxWarp>
+              <a:noAutofit/>
+            </a:bodyPr>
+            <a:lstStyle/>
+            <a:p>
+              <a:pPr algn="ctr"/>
+              <a:endParaRPr lang="ja-JP" altLang="en-US">
                 <a:solidFill>
-                  <a:schemeClr val="bg1"/>
+                  <a:schemeClr val="tx1"/>
                 </a:solidFill>
-                <a:latin typeface="HGS明朝B" panose="02020800000000000000" pitchFamily="18" charset="-128"/>
-                <a:ea typeface="HGS明朝B" panose="02020800000000000000" pitchFamily="18" charset="-128"/>
-              </a:rPr>
-              <a:t>カメラ移動</a:t>
-            </a:r>
-          </a:p>
-        </p:txBody>
-      </p:sp>
-      <p:sp>
-        <p:nvSpPr>
-          <p:cNvPr id="42" name="ドーナツ 41"/>
-          <p:cNvSpPr/>
-          <p:nvPr/>
-        </p:nvSpPr>
-        <p:spPr>
-          <a:xfrm>
-            <a:off x="3941888" y="1802424"/>
-            <a:ext cx="1131277" cy="767858"/>
-          </a:xfrm>
-          <a:prstGeom prst="donut">
-            <a:avLst>
-              <a:gd name="adj" fmla="val 11869"/>
-            </a:avLst>
-          </a:prstGeom>
-          <a:solidFill>
-            <a:srgbClr val="FF0000"/>
-          </a:solidFill>
-          <a:ln w="12700">
-            <a:solidFill>
-              <a:schemeClr val="bg1"/>
-            </a:solidFill>
-          </a:ln>
-        </p:spPr>
-        <p:style>
-          <a:lnRef idx="2">
-            <a:schemeClr val="accent1">
-              <a:shade val="50000"/>
-            </a:schemeClr>
-          </a:lnRef>
-          <a:fillRef idx="1">
-            <a:schemeClr val="accent1"/>
-          </a:fillRef>
-          <a:effectRef idx="0">
-            <a:schemeClr val="accent1"/>
-          </a:effectRef>
-          <a:fontRef idx="minor">
-            <a:schemeClr val="lt1"/>
-          </a:fontRef>
-        </p:style>
-        <p:txBody>
-          <a:bodyPr rot="0" spcFirstLastPara="0" vertOverflow="overflow" horzOverflow="overflow" vert="horz" wrap="square" lIns="91440" tIns="45720" rIns="91440" bIns="45720" numCol="1" spcCol="0" rtlCol="0" fromWordArt="0" anchor="ctr" anchorCtr="0" forceAA="0" compatLnSpc="1">
-            <a:prstTxWarp prst="textNoShape">
+                <a:latin typeface="FOT-ゴスペル Std EB" panose="02020900000000000000" pitchFamily="18" charset="-128"/>
+                <a:ea typeface="FOT-ゴスペル Std EB" panose="02020900000000000000" pitchFamily="18" charset="-128"/>
+              </a:endParaRPr>
+            </a:p>
+          </p:txBody>
+        </p:sp>
+        <p:cxnSp>
+          <p:nvCxnSpPr>
+            <p:cNvPr id="55" name="カギ線コネクタ 54"/>
+            <p:cNvCxnSpPr>
+              <a:stCxn id="52" idx="1"/>
+              <a:endCxn id="54" idx="0"/>
+            </p:cNvCxnSpPr>
+            <p:nvPr/>
+          </p:nvCxnSpPr>
+          <p:spPr>
+            <a:xfrm rot="10800000" flipV="1">
+              <a:off x="6847413" y="1337991"/>
+              <a:ext cx="264200" cy="599086"/>
+            </a:xfrm>
+            <a:prstGeom prst="bentConnector2">
               <a:avLst/>
-            </a:prstTxWarp>
-            <a:noAutofit/>
-          </a:bodyPr>
-          <a:lstStyle/>
-          <a:p>
-            <a:pPr algn="ctr"/>
-            <a:endParaRPr lang="ja-JP" altLang="en-US">
+            </a:prstGeom>
+            <a:ln w="76200">
               <a:solidFill>
-                <a:schemeClr val="tx1"/>
+                <a:srgbClr val="FF0000"/>
               </a:solidFill>
-            </a:endParaRPr>
-          </a:p>
-        </p:txBody>
-      </p:sp>
-      <p:cxnSp>
-        <p:nvCxnSpPr>
-          <p:cNvPr id="43" name="カギ線コネクタ 42"/>
-          <p:cNvCxnSpPr>
-            <a:stCxn id="50" idx="2"/>
-            <a:endCxn id="42" idx="0"/>
-          </p:cNvCxnSpPr>
-          <p:nvPr/>
-        </p:nvCxnSpPr>
-        <p:spPr>
-          <a:xfrm rot="16200000" flipH="1">
-            <a:off x="2691961" y="-13139"/>
-            <a:ext cx="608038" cy="3023088"/>
-          </a:xfrm>
-          <a:prstGeom prst="bentConnector3">
-            <a:avLst>
-              <a:gd name="adj1" fmla="val 50000"/>
-            </a:avLst>
-          </a:prstGeom>
-          <a:ln w="76200">
+            </a:ln>
+            <a:effectLst/>
+          </p:spPr>
+          <p:style>
+            <a:lnRef idx="1">
+              <a:schemeClr val="accent1"/>
+            </a:lnRef>
+            <a:fillRef idx="0">
+              <a:schemeClr val="accent1"/>
+            </a:fillRef>
+            <a:effectRef idx="0">
+              <a:schemeClr val="accent1"/>
+            </a:effectRef>
+            <a:fontRef idx="minor">
+              <a:schemeClr val="tx1"/>
+            </a:fontRef>
+          </p:style>
+        </p:cxnSp>
+        <p:sp>
+          <p:nvSpPr>
+            <p:cNvPr id="74" name="ドーナツ 73"/>
+            <p:cNvSpPr/>
+            <p:nvPr/>
+          </p:nvSpPr>
+          <p:spPr>
+            <a:xfrm>
+              <a:off x="5372105" y="2778368"/>
+              <a:ext cx="720969" cy="685796"/>
+            </a:xfrm>
+            <a:prstGeom prst="donut">
+              <a:avLst>
+                <a:gd name="adj" fmla="val 11869"/>
+              </a:avLst>
+            </a:prstGeom>
             <a:solidFill>
               <a:srgbClr val="FF0000"/>
             </a:solidFill>
-          </a:ln>
-          <a:effectLst/>
-        </p:spPr>
-        <p:style>
-          <a:lnRef idx="1">
-            <a:schemeClr val="accent1"/>
-          </a:lnRef>
-          <a:fillRef idx="0">
-            <a:schemeClr val="accent1"/>
-          </a:fillRef>
-          <a:effectRef idx="0">
-            <a:schemeClr val="accent1"/>
-          </a:effectRef>
-          <a:fontRef idx="minor">
-            <a:schemeClr val="tx1"/>
-          </a:fontRef>
-        </p:style>
-      </p:cxnSp>
-      <p:sp>
-        <p:nvSpPr>
-          <p:cNvPr id="50" name="テキスト ボックス 49"/>
-          <p:cNvSpPr txBox="1"/>
-          <p:nvPr/>
-        </p:nvSpPr>
-        <p:spPr>
-          <a:xfrm>
-            <a:off x="178779" y="548058"/>
-            <a:ext cx="2611315" cy="646331"/>
-          </a:xfrm>
-          <a:prstGeom prst="rect">
-            <a:avLst/>
-          </a:prstGeom>
-          <a:solidFill>
-            <a:schemeClr val="tx1">
-              <a:lumMod val="75000"/>
-              <a:lumOff val="25000"/>
-            </a:schemeClr>
-          </a:solidFill>
-          <a:ln w="57150">
-            <a:solidFill>
-              <a:srgbClr val="FF0000"/>
-            </a:solidFill>
-          </a:ln>
-        </p:spPr>
-        <p:txBody>
-          <a:bodyPr wrap="square" rtlCol="0">
-            <a:spAutoFit/>
-          </a:bodyPr>
-          <a:lstStyle/>
-          <a:p>
-            <a:pPr algn="ctr"/>
-            <a:r>
-              <a:rPr lang="ja-JP" altLang="en-US" sz="3600" dirty="0">
+          </p:spPr>
+          <p:style>
+            <a:lnRef idx="2">
+              <a:schemeClr val="accent1">
+                <a:shade val="50000"/>
+              </a:schemeClr>
+            </a:lnRef>
+            <a:fillRef idx="1">
+              <a:schemeClr val="accent1"/>
+            </a:fillRef>
+            <a:effectRef idx="0">
+              <a:schemeClr val="accent1"/>
+            </a:effectRef>
+            <a:fontRef idx="minor">
+              <a:schemeClr val="lt1"/>
+            </a:fontRef>
+          </p:style>
+          <p:txBody>
+            <a:bodyPr rot="0" spcFirstLastPara="0" vertOverflow="overflow" horzOverflow="overflow" vert="horz" wrap="square" lIns="91440" tIns="45720" rIns="91440" bIns="45720" numCol="1" spcCol="0" rtlCol="0" fromWordArt="0" anchor="ctr" anchorCtr="0" forceAA="0" compatLnSpc="1">
+              <a:prstTxWarp prst="textNoShape">
+                <a:avLst/>
+              </a:prstTxWarp>
+              <a:noAutofit/>
+            </a:bodyPr>
+            <a:lstStyle/>
+            <a:p>
+              <a:pPr algn="ctr"/>
+              <a:endParaRPr lang="ja-JP" altLang="en-US">
                 <a:solidFill>
-                  <a:schemeClr val="bg1"/>
+                  <a:schemeClr val="tx1"/>
                 </a:solidFill>
-                <a:latin typeface="HGS明朝B" panose="02020800000000000000" pitchFamily="18" charset="-128"/>
-                <a:ea typeface="HGS明朝B" panose="02020800000000000000" pitchFamily="18" charset="-128"/>
-              </a:rPr>
-              <a:t>回避</a:t>
-            </a:r>
-          </a:p>
-        </p:txBody>
-      </p:sp>
-      <p:sp>
-        <p:nvSpPr>
-          <p:cNvPr id="54" name="ドーナツ 53"/>
-          <p:cNvSpPr/>
-          <p:nvPr/>
-        </p:nvSpPr>
-        <p:spPr>
-          <a:xfrm>
-            <a:off x="7558457" y="1820010"/>
-            <a:ext cx="1093177" cy="770789"/>
-          </a:xfrm>
-          <a:prstGeom prst="donut">
-            <a:avLst>
-              <a:gd name="adj" fmla="val 11869"/>
-            </a:avLst>
-          </a:prstGeom>
-          <a:solidFill>
-            <a:srgbClr val="FF0000"/>
-          </a:solidFill>
-          <a:ln w="12700">
-            <a:solidFill>
-              <a:schemeClr val="bg1"/>
-            </a:solidFill>
-          </a:ln>
-        </p:spPr>
-        <p:style>
-          <a:lnRef idx="2">
-            <a:schemeClr val="accent1">
-              <a:shade val="50000"/>
-            </a:schemeClr>
-          </a:lnRef>
-          <a:fillRef idx="1">
-            <a:schemeClr val="accent1"/>
-          </a:fillRef>
-          <a:effectRef idx="0">
-            <a:schemeClr val="accent1"/>
-          </a:effectRef>
-          <a:fontRef idx="minor">
-            <a:schemeClr val="lt1"/>
-          </a:fontRef>
-        </p:style>
-        <p:txBody>
-          <a:bodyPr rot="0" spcFirstLastPara="0" vertOverflow="overflow" horzOverflow="overflow" vert="horz" wrap="square" lIns="91440" tIns="45720" rIns="91440" bIns="45720" numCol="1" spcCol="0" rtlCol="0" fromWordArt="0" anchor="ctr" anchorCtr="0" forceAA="0" compatLnSpc="1">
-            <a:prstTxWarp prst="textNoShape">
-              <a:avLst/>
-            </a:prstTxWarp>
-            <a:noAutofit/>
-          </a:bodyPr>
-          <a:lstStyle/>
-          <a:p>
-            <a:pPr algn="ctr"/>
-            <a:endParaRPr lang="ja-JP" altLang="en-US">
+                <a:latin typeface="FOT-ゴスペル Std EB" panose="02020900000000000000" pitchFamily="18" charset="-128"/>
+                <a:ea typeface="FOT-ゴスペル Std EB" panose="02020900000000000000" pitchFamily="18" charset="-128"/>
+              </a:endParaRPr>
+            </a:p>
+          </p:txBody>
+        </p:sp>
+        <p:cxnSp>
+          <p:nvCxnSpPr>
+            <p:cNvPr id="75" name="カギ線コネクタ 74"/>
+            <p:cNvCxnSpPr>
+              <a:endCxn id="74" idx="0"/>
+            </p:cNvCxnSpPr>
+            <p:nvPr/>
+          </p:nvCxnSpPr>
+          <p:spPr>
+            <a:xfrm rot="16200000" flipH="1">
+              <a:off x="4517104" y="1562881"/>
+              <a:ext cx="1639667" cy="791306"/>
+            </a:xfrm>
+            <a:prstGeom prst="bentConnector3">
+              <a:avLst>
+                <a:gd name="adj1" fmla="val 50000"/>
+              </a:avLst>
+            </a:prstGeom>
+            <a:ln w="76200">
               <a:solidFill>
-                <a:schemeClr val="tx1"/>
+                <a:srgbClr val="FF0000"/>
               </a:solidFill>
-            </a:endParaRPr>
-          </a:p>
-        </p:txBody>
-      </p:sp>
-      <p:cxnSp>
-        <p:nvCxnSpPr>
-          <p:cNvPr id="55" name="カギ線コネクタ 54"/>
-          <p:cNvCxnSpPr>
-            <a:stCxn id="62" idx="2"/>
-            <a:endCxn id="54" idx="0"/>
-          </p:cNvCxnSpPr>
-          <p:nvPr/>
-        </p:nvCxnSpPr>
-        <p:spPr>
-          <a:xfrm rot="5400000">
-            <a:off x="8940366" y="133400"/>
-            <a:ext cx="851291" cy="2521929"/>
-          </a:xfrm>
-          <a:prstGeom prst="bentConnector3">
-            <a:avLst>
-              <a:gd name="adj1" fmla="val 50000"/>
-            </a:avLst>
-          </a:prstGeom>
-          <a:ln w="76200">
-            <a:solidFill>
-              <a:srgbClr val="FF0000"/>
-            </a:solidFill>
-          </a:ln>
-          <a:effectLst/>
-        </p:spPr>
-        <p:style>
-          <a:lnRef idx="1">
-            <a:schemeClr val="accent1"/>
-          </a:lnRef>
-          <a:fillRef idx="0">
-            <a:schemeClr val="accent1"/>
-          </a:fillRef>
-          <a:effectRef idx="0">
-            <a:schemeClr val="accent1"/>
-          </a:effectRef>
-          <a:fontRef idx="minor">
-            <a:schemeClr val="tx1"/>
-          </a:fontRef>
-        </p:style>
-      </p:cxnSp>
-      <p:sp>
-        <p:nvSpPr>
-          <p:cNvPr id="62" name="テキスト ボックス 61"/>
-          <p:cNvSpPr txBox="1"/>
-          <p:nvPr/>
-        </p:nvSpPr>
-        <p:spPr>
-          <a:xfrm>
-            <a:off x="9346229" y="322388"/>
-            <a:ext cx="2561491" cy="646331"/>
-          </a:xfrm>
-          <a:prstGeom prst="rect">
-            <a:avLst/>
-          </a:prstGeom>
-          <a:solidFill>
-            <a:schemeClr val="tx1">
-              <a:lumMod val="75000"/>
-              <a:lumOff val="25000"/>
-            </a:schemeClr>
-          </a:solidFill>
-          <a:ln w="57150">
-            <a:solidFill>
-              <a:srgbClr val="FF0000"/>
-            </a:solidFill>
-          </a:ln>
-        </p:spPr>
-        <p:txBody>
-          <a:bodyPr wrap="square" rtlCol="0">
-            <a:spAutoFit/>
-          </a:bodyPr>
-          <a:lstStyle/>
-          <a:p>
-            <a:pPr algn="ctr"/>
-            <a:r>
-              <a:rPr lang="ja-JP" altLang="en-US" sz="3600" dirty="0">
+            </a:ln>
+            <a:effectLst/>
+          </p:spPr>
+          <p:style>
+            <a:lnRef idx="1">
+              <a:schemeClr val="accent1"/>
+            </a:lnRef>
+            <a:fillRef idx="0">
+              <a:schemeClr val="accent1"/>
+            </a:fillRef>
+            <a:effectRef idx="0">
+              <a:schemeClr val="accent1"/>
+            </a:effectRef>
+            <a:fontRef idx="minor">
+              <a:schemeClr val="tx1"/>
+            </a:fontRef>
+          </p:style>
+        </p:cxnSp>
+        <p:grpSp>
+          <p:nvGrpSpPr>
+            <p:cNvPr id="35" name="グループ化 34"/>
+            <p:cNvGrpSpPr/>
+            <p:nvPr/>
+          </p:nvGrpSpPr>
+          <p:grpSpPr>
+            <a:xfrm>
+              <a:off x="256484" y="5352386"/>
+              <a:ext cx="3673682" cy="1247713"/>
+              <a:chOff x="3256" y="1494791"/>
+              <a:chExt cx="2693379" cy="1123713"/>
+            </a:xfrm>
+          </p:grpSpPr>
+          <p:sp>
+            <p:nvSpPr>
+              <p:cNvPr id="36" name="正方形/長方形 35"/>
+              <p:cNvSpPr/>
+              <p:nvPr/>
+            </p:nvSpPr>
+            <p:spPr>
+              <a:xfrm>
+                <a:off x="3256" y="1494791"/>
+                <a:ext cx="2693379" cy="1123713"/>
+              </a:xfrm>
+              <a:prstGeom prst="rect">
+                <a:avLst/>
+              </a:prstGeom>
+              <a:solidFill>
+                <a:schemeClr val="tx1">
+                  <a:lumMod val="75000"/>
+                  <a:lumOff val="25000"/>
+                </a:schemeClr>
+              </a:solidFill>
+              <a:ln w="57150">
                 <a:solidFill>
-                  <a:schemeClr val="bg1"/>
+                  <a:srgbClr val="FF0000"/>
                 </a:solidFill>
-                <a:latin typeface="HGS明朝B" panose="02020800000000000000" pitchFamily="18" charset="-128"/>
-                <a:ea typeface="HGS明朝B" panose="02020800000000000000" pitchFamily="18" charset="-128"/>
-              </a:rPr>
-              <a:t>決定</a:t>
-            </a:r>
-            <a:r>
-              <a:rPr lang="en-US" altLang="ja-JP" sz="3600" dirty="0">
+              </a:ln>
+            </p:spPr>
+            <p:style>
+              <a:lnRef idx="2">
+                <a:schemeClr val="accent1">
+                  <a:shade val="50000"/>
+                </a:schemeClr>
+              </a:lnRef>
+              <a:fillRef idx="1">
+                <a:schemeClr val="accent1"/>
+              </a:fillRef>
+              <a:effectRef idx="0">
+                <a:schemeClr val="accent1"/>
+              </a:effectRef>
+              <a:fontRef idx="minor">
+                <a:schemeClr val="lt1"/>
+              </a:fontRef>
+            </p:style>
+            <p:txBody>
+              <a:bodyPr rot="0" spcFirstLastPara="0" vertOverflow="overflow" horzOverflow="overflow" vert="horz" wrap="square" lIns="91440" tIns="45720" rIns="91440" bIns="45720" numCol="1" spcCol="0" rtlCol="0" fromWordArt="0" anchor="ctr" anchorCtr="0" forceAA="0" compatLnSpc="1">
+                <a:prstTxWarp prst="textNoShape">
+                  <a:avLst/>
+                </a:prstTxWarp>
+                <a:noAutofit/>
+              </a:bodyPr>
+              <a:lstStyle/>
+              <a:p>
+                <a:pPr algn="ctr"/>
+                <a:endParaRPr lang="ja-JP" altLang="en-US"/>
+              </a:p>
+            </p:txBody>
+          </p:sp>
+          <p:sp>
+            <p:nvSpPr>
+              <p:cNvPr id="37" name="正方形/長方形 36"/>
+              <p:cNvSpPr/>
+              <p:nvPr/>
+            </p:nvSpPr>
+            <p:spPr>
+              <a:xfrm>
+                <a:off x="718131" y="1666951"/>
+                <a:ext cx="1263629" cy="914725"/>
+              </a:xfrm>
+              <a:prstGeom prst="rect">
+                <a:avLst/>
+              </a:prstGeom>
+            </p:spPr>
+            <p:txBody>
+              <a:bodyPr wrap="none">
+                <a:spAutoFit/>
+              </a:bodyPr>
+              <a:lstStyle/>
+              <a:p>
+                <a:pPr algn="ctr"/>
+                <a:r>
+                  <a:rPr lang="ja-JP" altLang="en-US" sz="6000" dirty="0">
+                    <a:solidFill>
+                      <a:schemeClr val="bg1"/>
+                    </a:solidFill>
+                    <a:latin typeface="FOT-ゴスペル Std EB" panose="02020900000000000000" pitchFamily="18" charset="-128"/>
+                    <a:ea typeface="FOT-ゴスペル Std EB" panose="02020900000000000000" pitchFamily="18" charset="-128"/>
+                  </a:rPr>
+                  <a:t>移動</a:t>
+                </a:r>
+                <a:endParaRPr lang="ja-JP" altLang="en-US" sz="6000" dirty="0">
+                  <a:solidFill>
+                    <a:schemeClr val="bg1"/>
+                  </a:solidFill>
+                  <a:latin typeface="FOT-ゴスペル Std EB" panose="02020900000000000000" pitchFamily="18" charset="-128"/>
+                  <a:ea typeface="FOT-ゴスペル Std EB" panose="02020900000000000000" pitchFamily="18" charset="-128"/>
+                </a:endParaRPr>
+              </a:p>
+            </p:txBody>
+          </p:sp>
+        </p:grpSp>
+        <p:grpSp>
+          <p:nvGrpSpPr>
+            <p:cNvPr id="39" name="グループ化 38"/>
+            <p:cNvGrpSpPr/>
+            <p:nvPr/>
+          </p:nvGrpSpPr>
+          <p:grpSpPr>
+            <a:xfrm>
+              <a:off x="5500291" y="5451222"/>
+              <a:ext cx="4048847" cy="1123713"/>
+              <a:chOff x="3256" y="1494791"/>
+              <a:chExt cx="2693379" cy="1123713"/>
+            </a:xfrm>
+          </p:grpSpPr>
+          <p:sp>
+            <p:nvSpPr>
+              <p:cNvPr id="40" name="正方形/長方形 39"/>
+              <p:cNvSpPr/>
+              <p:nvPr/>
+            </p:nvSpPr>
+            <p:spPr>
+              <a:xfrm>
+                <a:off x="3256" y="1494791"/>
+                <a:ext cx="2693379" cy="1123713"/>
+              </a:xfrm>
+              <a:prstGeom prst="rect">
+                <a:avLst/>
+              </a:prstGeom>
+              <a:solidFill>
+                <a:schemeClr val="tx1">
+                  <a:lumMod val="75000"/>
+                  <a:lumOff val="25000"/>
+                </a:schemeClr>
+              </a:solidFill>
+              <a:ln w="57150">
                 <a:solidFill>
-                  <a:schemeClr val="bg1"/>
+                  <a:srgbClr val="FF0000"/>
                 </a:solidFill>
-                <a:latin typeface="HGS明朝B" panose="02020800000000000000" pitchFamily="18" charset="-128"/>
-                <a:ea typeface="HGS明朝B" panose="02020800000000000000" pitchFamily="18" charset="-128"/>
-              </a:rPr>
-              <a:t>&amp;</a:t>
-            </a:r>
-            <a:r>
-              <a:rPr lang="ja-JP" altLang="en-US" sz="3600" dirty="0">
+              </a:ln>
+            </p:spPr>
+            <p:style>
+              <a:lnRef idx="2">
+                <a:schemeClr val="accent1">
+                  <a:shade val="50000"/>
+                </a:schemeClr>
+              </a:lnRef>
+              <a:fillRef idx="1">
+                <a:schemeClr val="accent1"/>
+              </a:fillRef>
+              <a:effectRef idx="0">
+                <a:schemeClr val="accent1"/>
+              </a:effectRef>
+              <a:fontRef idx="minor">
+                <a:schemeClr val="lt1"/>
+              </a:fontRef>
+            </p:style>
+            <p:txBody>
+              <a:bodyPr rot="0" spcFirstLastPara="0" vertOverflow="overflow" horzOverflow="overflow" vert="horz" wrap="square" lIns="91440" tIns="45720" rIns="91440" bIns="45720" numCol="1" spcCol="0" rtlCol="0" fromWordArt="0" anchor="ctr" anchorCtr="0" forceAA="0" compatLnSpc="1">
+                <a:prstTxWarp prst="textNoShape">
+                  <a:avLst/>
+                </a:prstTxWarp>
+                <a:noAutofit/>
+              </a:bodyPr>
+              <a:lstStyle/>
+              <a:p>
+                <a:pPr algn="ctr"/>
+                <a:endParaRPr lang="ja-JP" altLang="en-US"/>
+              </a:p>
+            </p:txBody>
+          </p:sp>
+          <p:sp>
+            <p:nvSpPr>
+              <p:cNvPr id="41" name="正方形/長方形 40"/>
+              <p:cNvSpPr/>
+              <p:nvPr/>
+            </p:nvSpPr>
+            <p:spPr>
+              <a:xfrm>
+                <a:off x="485327" y="1565611"/>
+                <a:ext cx="1658390" cy="1015663"/>
+              </a:xfrm>
+              <a:prstGeom prst="rect">
+                <a:avLst/>
+              </a:prstGeom>
+            </p:spPr>
+            <p:txBody>
+              <a:bodyPr wrap="none">
+                <a:spAutoFit/>
+              </a:bodyPr>
+              <a:lstStyle/>
+              <a:p>
+                <a:pPr algn="ctr"/>
+                <a:r>
+                  <a:rPr lang="ja-JP" altLang="en-US" sz="6000" dirty="0">
+                    <a:solidFill>
+                      <a:schemeClr val="bg1"/>
+                    </a:solidFill>
+                    <a:latin typeface="FOT-ゴスペル Std EB" panose="02020900000000000000" pitchFamily="18" charset="-128"/>
+                    <a:ea typeface="FOT-ゴスペル Std EB" panose="02020900000000000000" pitchFamily="18" charset="-128"/>
+                  </a:rPr>
+                  <a:t>カメラ</a:t>
+                </a:r>
+                <a:endParaRPr lang="ja-JP" altLang="en-US" sz="6000" dirty="0">
+                  <a:solidFill>
+                    <a:schemeClr val="bg1"/>
+                  </a:solidFill>
+                  <a:latin typeface="FOT-ゴスペル Std EB" panose="02020900000000000000" pitchFamily="18" charset="-128"/>
+                  <a:ea typeface="FOT-ゴスペル Std EB" panose="02020900000000000000" pitchFamily="18" charset="-128"/>
+                </a:endParaRPr>
+              </a:p>
+            </p:txBody>
+          </p:sp>
+        </p:grpSp>
+        <p:grpSp>
+          <p:nvGrpSpPr>
+            <p:cNvPr id="47" name="グループ化 46"/>
+            <p:cNvGrpSpPr/>
+            <p:nvPr/>
+          </p:nvGrpSpPr>
+          <p:grpSpPr>
+            <a:xfrm>
+              <a:off x="167054" y="738632"/>
+              <a:ext cx="2693379" cy="1123713"/>
+              <a:chOff x="3256" y="1494791"/>
+              <a:chExt cx="2693379" cy="1123713"/>
+            </a:xfrm>
+          </p:grpSpPr>
+          <p:sp>
+            <p:nvSpPr>
+              <p:cNvPr id="48" name="正方形/長方形 47"/>
+              <p:cNvSpPr/>
+              <p:nvPr/>
+            </p:nvSpPr>
+            <p:spPr>
+              <a:xfrm>
+                <a:off x="3256" y="1494791"/>
+                <a:ext cx="2693379" cy="1123713"/>
+              </a:xfrm>
+              <a:prstGeom prst="rect">
+                <a:avLst/>
+              </a:prstGeom>
+              <a:solidFill>
+                <a:schemeClr val="tx1">
+                  <a:lumMod val="75000"/>
+                  <a:lumOff val="25000"/>
+                </a:schemeClr>
+              </a:solidFill>
+              <a:ln w="57150">
                 <a:solidFill>
-                  <a:schemeClr val="bg1"/>
+                  <a:srgbClr val="FF0000"/>
                 </a:solidFill>
-                <a:latin typeface="HGS明朝B" panose="02020800000000000000" pitchFamily="18" charset="-128"/>
-                <a:ea typeface="HGS明朝B" panose="02020800000000000000" pitchFamily="18" charset="-128"/>
-              </a:rPr>
-              <a:t>発射</a:t>
-            </a:r>
-          </a:p>
-        </p:txBody>
-      </p:sp>
-      <p:sp>
-        <p:nvSpPr>
-          <p:cNvPr id="74" name="ドーナツ 73"/>
-          <p:cNvSpPr/>
-          <p:nvPr/>
-        </p:nvSpPr>
-        <p:spPr>
-          <a:xfrm>
-            <a:off x="6515104" y="2778368"/>
-            <a:ext cx="720969" cy="685796"/>
-          </a:xfrm>
-          <a:prstGeom prst="donut">
-            <a:avLst>
-              <a:gd name="adj" fmla="val 11869"/>
-            </a:avLst>
-          </a:prstGeom>
-          <a:solidFill>
-            <a:srgbClr val="FF0000"/>
-          </a:solidFill>
-        </p:spPr>
-        <p:style>
-          <a:lnRef idx="2">
-            <a:schemeClr val="accent1">
-              <a:shade val="50000"/>
-            </a:schemeClr>
-          </a:lnRef>
-          <a:fillRef idx="1">
-            <a:schemeClr val="accent1"/>
-          </a:fillRef>
-          <a:effectRef idx="0">
-            <a:schemeClr val="accent1"/>
-          </a:effectRef>
-          <a:fontRef idx="minor">
-            <a:schemeClr val="lt1"/>
-          </a:fontRef>
-        </p:style>
-        <p:txBody>
-          <a:bodyPr rot="0" spcFirstLastPara="0" vertOverflow="overflow" horzOverflow="overflow" vert="horz" wrap="square" lIns="91440" tIns="45720" rIns="91440" bIns="45720" numCol="1" spcCol="0" rtlCol="0" fromWordArt="0" anchor="ctr" anchorCtr="0" forceAA="0" compatLnSpc="1">
-            <a:prstTxWarp prst="textNoShape">
-              <a:avLst/>
-            </a:prstTxWarp>
-            <a:noAutofit/>
-          </a:bodyPr>
-          <a:lstStyle/>
-          <a:p>
-            <a:pPr algn="ctr"/>
-            <a:endParaRPr lang="ja-JP" altLang="en-US">
+              </a:ln>
+            </p:spPr>
+            <p:style>
+              <a:lnRef idx="2">
+                <a:schemeClr val="accent1">
+                  <a:shade val="50000"/>
+                </a:schemeClr>
+              </a:lnRef>
+              <a:fillRef idx="1">
+                <a:schemeClr val="accent1"/>
+              </a:fillRef>
+              <a:effectRef idx="0">
+                <a:schemeClr val="accent1"/>
+              </a:effectRef>
+              <a:fontRef idx="minor">
+                <a:schemeClr val="lt1"/>
+              </a:fontRef>
+            </p:style>
+            <p:txBody>
+              <a:bodyPr rot="0" spcFirstLastPara="0" vertOverflow="overflow" horzOverflow="overflow" vert="horz" wrap="square" lIns="91440" tIns="45720" rIns="91440" bIns="45720" numCol="1" spcCol="0" rtlCol="0" fromWordArt="0" anchor="ctr" anchorCtr="0" forceAA="0" compatLnSpc="1">
+                <a:prstTxWarp prst="textNoShape">
+                  <a:avLst/>
+                </a:prstTxWarp>
+                <a:noAutofit/>
+              </a:bodyPr>
+              <a:lstStyle/>
+              <a:p>
+                <a:pPr algn="ctr"/>
+                <a:endParaRPr lang="ja-JP" altLang="en-US"/>
+              </a:p>
+            </p:txBody>
+          </p:sp>
+          <p:sp>
+            <p:nvSpPr>
+              <p:cNvPr id="49" name="正方形/長方形 48"/>
+              <p:cNvSpPr/>
+              <p:nvPr/>
+            </p:nvSpPr>
+            <p:spPr>
+              <a:xfrm>
+                <a:off x="452744" y="1565611"/>
+                <a:ext cx="1723550" cy="1015663"/>
+              </a:xfrm>
+              <a:prstGeom prst="rect">
+                <a:avLst/>
+              </a:prstGeom>
+            </p:spPr>
+            <p:txBody>
+              <a:bodyPr wrap="none">
+                <a:spAutoFit/>
+              </a:bodyPr>
+              <a:lstStyle/>
+              <a:p>
+                <a:pPr algn="ctr"/>
+                <a:r>
+                  <a:rPr lang="ja-JP" altLang="en-US" sz="6000" dirty="0">
+                    <a:solidFill>
+                      <a:schemeClr val="bg1"/>
+                    </a:solidFill>
+                    <a:latin typeface="FOT-ゴスペル Std EB" panose="02020900000000000000" pitchFamily="18" charset="-128"/>
+                    <a:ea typeface="FOT-ゴスペル Std EB" panose="02020900000000000000" pitchFamily="18" charset="-128"/>
+                  </a:rPr>
+                  <a:t>回避</a:t>
+                </a:r>
+                <a:endParaRPr lang="ja-JP" altLang="en-US" sz="6000" dirty="0">
+                  <a:solidFill>
+                    <a:schemeClr val="bg1"/>
+                  </a:solidFill>
+                  <a:latin typeface="FOT-ゴスペル Std EB" panose="02020900000000000000" pitchFamily="18" charset="-128"/>
+                  <a:ea typeface="FOT-ゴスペル Std EB" panose="02020900000000000000" pitchFamily="18" charset="-128"/>
+                </a:endParaRPr>
+              </a:p>
+            </p:txBody>
+          </p:sp>
+        </p:grpSp>
+        <p:grpSp>
+          <p:nvGrpSpPr>
+            <p:cNvPr id="51" name="グループ化 50"/>
+            <p:cNvGrpSpPr/>
+            <p:nvPr/>
+          </p:nvGrpSpPr>
+          <p:grpSpPr>
+            <a:xfrm>
+              <a:off x="7111613" y="776134"/>
+              <a:ext cx="2437525" cy="1123713"/>
+              <a:chOff x="3256" y="1494791"/>
+              <a:chExt cx="2693379" cy="1123713"/>
+            </a:xfrm>
+          </p:grpSpPr>
+          <p:sp>
+            <p:nvSpPr>
+              <p:cNvPr id="52" name="正方形/長方形 51"/>
+              <p:cNvSpPr/>
+              <p:nvPr/>
+            </p:nvSpPr>
+            <p:spPr>
+              <a:xfrm>
+                <a:off x="3256" y="1494791"/>
+                <a:ext cx="2693379" cy="1123713"/>
+              </a:xfrm>
+              <a:prstGeom prst="rect">
+                <a:avLst/>
+              </a:prstGeom>
               <a:solidFill>
-                <a:schemeClr val="tx1"/>
+                <a:schemeClr val="tx1">
+                  <a:lumMod val="75000"/>
+                  <a:lumOff val="25000"/>
+                </a:schemeClr>
               </a:solidFill>
-            </a:endParaRPr>
-          </a:p>
-        </p:txBody>
-      </p:sp>
-      <p:cxnSp>
-        <p:nvCxnSpPr>
-          <p:cNvPr id="75" name="カギ線コネクタ 74"/>
-          <p:cNvCxnSpPr>
-            <a:stCxn id="78" idx="2"/>
-            <a:endCxn id="74" idx="0"/>
-          </p:cNvCxnSpPr>
-          <p:nvPr/>
-        </p:nvCxnSpPr>
-        <p:spPr>
-          <a:xfrm rot="16200000" flipH="1">
-            <a:off x="5660103" y="1562881"/>
-            <a:ext cx="1639667" cy="791306"/>
-          </a:xfrm>
-          <a:prstGeom prst="bentConnector3">
-            <a:avLst>
-              <a:gd name="adj1" fmla="val 50000"/>
-            </a:avLst>
-          </a:prstGeom>
-          <a:ln w="76200">
-            <a:solidFill>
-              <a:srgbClr val="FF0000"/>
-            </a:solidFill>
-          </a:ln>
-          <a:effectLst/>
-        </p:spPr>
-        <p:style>
-          <a:lnRef idx="1">
-            <a:schemeClr val="accent1"/>
-          </a:lnRef>
-          <a:fillRef idx="0">
-            <a:schemeClr val="accent1"/>
-          </a:fillRef>
-          <a:effectRef idx="0">
-            <a:schemeClr val="accent1"/>
-          </a:effectRef>
-          <a:fontRef idx="minor">
-            <a:schemeClr val="tx1"/>
-          </a:fontRef>
-        </p:style>
-      </p:cxnSp>
-      <p:sp>
-        <p:nvSpPr>
-          <p:cNvPr id="78" name="テキスト ボックス 77"/>
-          <p:cNvSpPr txBox="1"/>
-          <p:nvPr/>
-        </p:nvSpPr>
-        <p:spPr>
-          <a:xfrm>
-            <a:off x="4803537" y="492373"/>
-            <a:ext cx="2561491" cy="646331"/>
-          </a:xfrm>
-          <a:prstGeom prst="rect">
-            <a:avLst/>
-          </a:prstGeom>
-          <a:solidFill>
-            <a:schemeClr val="tx1">
-              <a:lumMod val="75000"/>
-              <a:lumOff val="25000"/>
-            </a:schemeClr>
-          </a:solidFill>
-          <a:ln w="57150">
-            <a:solidFill>
-              <a:srgbClr val="FF0000"/>
-            </a:solidFill>
-          </a:ln>
-        </p:spPr>
-        <p:txBody>
-          <a:bodyPr wrap="square" rtlCol="0">
-            <a:spAutoFit/>
-          </a:bodyPr>
-          <a:lstStyle/>
-          <a:p>
-            <a:pPr algn="ctr"/>
-            <a:r>
-              <a:rPr lang="ja-JP" altLang="en-US" sz="3600" dirty="0">
+              <a:ln w="57150">
                 <a:solidFill>
-                  <a:schemeClr val="bg1"/>
+                  <a:srgbClr val="FF0000"/>
                 </a:solidFill>
-                <a:latin typeface="HGS明朝B" panose="02020800000000000000" pitchFamily="18" charset="-128"/>
-                <a:ea typeface="HGS明朝B" panose="02020800000000000000" pitchFamily="18" charset="-128"/>
-              </a:rPr>
-              <a:t>ポーズ</a:t>
-            </a:r>
-          </a:p>
-        </p:txBody>
-      </p:sp>
+              </a:ln>
+            </p:spPr>
+            <p:style>
+              <a:lnRef idx="2">
+                <a:schemeClr val="accent1">
+                  <a:shade val="50000"/>
+                </a:schemeClr>
+              </a:lnRef>
+              <a:fillRef idx="1">
+                <a:schemeClr val="accent1"/>
+              </a:fillRef>
+              <a:effectRef idx="0">
+                <a:schemeClr val="accent1"/>
+              </a:effectRef>
+              <a:fontRef idx="minor">
+                <a:schemeClr val="lt1"/>
+              </a:fontRef>
+            </p:style>
+            <p:txBody>
+              <a:bodyPr rot="0" spcFirstLastPara="0" vertOverflow="overflow" horzOverflow="overflow" vert="horz" wrap="square" lIns="91440" tIns="45720" rIns="91440" bIns="45720" numCol="1" spcCol="0" rtlCol="0" fromWordArt="0" anchor="ctr" anchorCtr="0" forceAA="0" compatLnSpc="1">
+                <a:prstTxWarp prst="textNoShape">
+                  <a:avLst/>
+                </a:prstTxWarp>
+                <a:noAutofit/>
+              </a:bodyPr>
+              <a:lstStyle/>
+              <a:p>
+                <a:pPr algn="ctr"/>
+                <a:endParaRPr lang="ja-JP" altLang="en-US"/>
+              </a:p>
+            </p:txBody>
+          </p:sp>
+          <p:sp>
+            <p:nvSpPr>
+              <p:cNvPr id="53" name="正方形/長方形 52"/>
+              <p:cNvSpPr/>
+              <p:nvPr/>
+            </p:nvSpPr>
+            <p:spPr>
+              <a:xfrm>
+                <a:off x="452746" y="1565611"/>
+                <a:ext cx="1723549" cy="1015663"/>
+              </a:xfrm>
+              <a:prstGeom prst="rect">
+                <a:avLst/>
+              </a:prstGeom>
+            </p:spPr>
+            <p:txBody>
+              <a:bodyPr wrap="none">
+                <a:spAutoFit/>
+              </a:bodyPr>
+              <a:lstStyle/>
+              <a:p>
+                <a:pPr algn="ctr"/>
+                <a:r>
+                  <a:rPr lang="ja-JP" altLang="en-US" sz="6000" dirty="0" smtClean="0">
+                    <a:solidFill>
+                      <a:schemeClr val="bg1"/>
+                    </a:solidFill>
+                    <a:latin typeface="FOT-ゴスペル Std EB" panose="02020900000000000000" pitchFamily="18" charset="-128"/>
+                    <a:ea typeface="FOT-ゴスペル Std EB" panose="02020900000000000000" pitchFamily="18" charset="-128"/>
+                  </a:rPr>
+                  <a:t>射撃</a:t>
+                </a:r>
+                <a:endParaRPr lang="ja-JP" altLang="en-US" sz="6000" dirty="0">
+                  <a:solidFill>
+                    <a:schemeClr val="bg1"/>
+                  </a:solidFill>
+                  <a:latin typeface="FOT-ゴスペル Std EB" panose="02020900000000000000" pitchFamily="18" charset="-128"/>
+                  <a:ea typeface="FOT-ゴスペル Std EB" panose="02020900000000000000" pitchFamily="18" charset="-128"/>
+                </a:endParaRPr>
+              </a:p>
+            </p:txBody>
+          </p:sp>
+        </p:grpSp>
+        <p:grpSp>
+          <p:nvGrpSpPr>
+            <p:cNvPr id="56" name="グループ化 55"/>
+            <p:cNvGrpSpPr/>
+            <p:nvPr/>
+          </p:nvGrpSpPr>
+          <p:grpSpPr>
+            <a:xfrm>
+              <a:off x="3975256" y="356134"/>
+              <a:ext cx="2693379" cy="1123713"/>
+              <a:chOff x="3256" y="1494791"/>
+              <a:chExt cx="2693379" cy="1123713"/>
+            </a:xfrm>
+          </p:grpSpPr>
+          <p:sp>
+            <p:nvSpPr>
+              <p:cNvPr id="57" name="正方形/長方形 56"/>
+              <p:cNvSpPr/>
+              <p:nvPr/>
+            </p:nvSpPr>
+            <p:spPr>
+              <a:xfrm>
+                <a:off x="3256" y="1494791"/>
+                <a:ext cx="2693379" cy="1123713"/>
+              </a:xfrm>
+              <a:prstGeom prst="rect">
+                <a:avLst/>
+              </a:prstGeom>
+              <a:solidFill>
+                <a:schemeClr val="tx1">
+                  <a:lumMod val="75000"/>
+                  <a:lumOff val="25000"/>
+                </a:schemeClr>
+              </a:solidFill>
+              <a:ln w="57150">
+                <a:solidFill>
+                  <a:srgbClr val="FF0000"/>
+                </a:solidFill>
+              </a:ln>
+            </p:spPr>
+            <p:style>
+              <a:lnRef idx="2">
+                <a:schemeClr val="accent1">
+                  <a:shade val="50000"/>
+                </a:schemeClr>
+              </a:lnRef>
+              <a:fillRef idx="1">
+                <a:schemeClr val="accent1"/>
+              </a:fillRef>
+              <a:effectRef idx="0">
+                <a:schemeClr val="accent1"/>
+              </a:effectRef>
+              <a:fontRef idx="minor">
+                <a:schemeClr val="lt1"/>
+              </a:fontRef>
+            </p:style>
+            <p:txBody>
+              <a:bodyPr rot="0" spcFirstLastPara="0" vertOverflow="overflow" horzOverflow="overflow" vert="horz" wrap="square" lIns="91440" tIns="45720" rIns="91440" bIns="45720" numCol="1" spcCol="0" rtlCol="0" fromWordArt="0" anchor="ctr" anchorCtr="0" forceAA="0" compatLnSpc="1">
+                <a:prstTxWarp prst="textNoShape">
+                  <a:avLst/>
+                </a:prstTxWarp>
+                <a:noAutofit/>
+              </a:bodyPr>
+              <a:lstStyle/>
+              <a:p>
+                <a:pPr algn="ctr"/>
+                <a:endParaRPr lang="ja-JP" altLang="en-US"/>
+              </a:p>
+            </p:txBody>
+          </p:sp>
+          <p:sp>
+            <p:nvSpPr>
+              <p:cNvPr id="58" name="正方形/長方形 57"/>
+              <p:cNvSpPr/>
+              <p:nvPr/>
+            </p:nvSpPr>
+            <p:spPr>
+              <a:xfrm>
+                <a:off x="233437" y="1655260"/>
+                <a:ext cx="2108269" cy="861774"/>
+              </a:xfrm>
+              <a:prstGeom prst="rect">
+                <a:avLst/>
+              </a:prstGeom>
+            </p:spPr>
+            <p:txBody>
+              <a:bodyPr wrap="none">
+                <a:spAutoFit/>
+              </a:bodyPr>
+              <a:lstStyle/>
+              <a:p>
+                <a:pPr algn="ctr"/>
+                <a:r>
+                  <a:rPr lang="ja-JP" altLang="en-US" sz="5000" dirty="0">
+                    <a:solidFill>
+                      <a:schemeClr val="bg1"/>
+                    </a:solidFill>
+                    <a:latin typeface="FOT-ゴスペル Std EB" panose="02020900000000000000" pitchFamily="18" charset="-128"/>
+                    <a:ea typeface="FOT-ゴスペル Std EB" panose="02020900000000000000" pitchFamily="18" charset="-128"/>
+                  </a:rPr>
+                  <a:t>ポーズ</a:t>
+                </a:r>
+                <a:endParaRPr lang="ja-JP" altLang="en-US" sz="5000" dirty="0">
+                  <a:solidFill>
+                    <a:schemeClr val="bg1"/>
+                  </a:solidFill>
+                  <a:latin typeface="FOT-ゴスペル Std EB" panose="02020900000000000000" pitchFamily="18" charset="-128"/>
+                  <a:ea typeface="FOT-ゴスペル Std EB" panose="02020900000000000000" pitchFamily="18" charset="-128"/>
+                </a:endParaRPr>
+              </a:p>
+            </p:txBody>
+          </p:sp>
+        </p:grpSp>
+      </p:grpSp>
     </p:spTree>
     <p:extLst>
       <p:ext uri="{BB962C8B-B14F-4D97-AF65-F5344CB8AC3E}">
@@ -4461,7 +4874,7 @@
         </p:nvSpPr>
         <p:spPr>
           <a:xfrm>
-            <a:off x="905608" y="4070842"/>
+            <a:off x="-237392" y="4070843"/>
             <a:ext cx="8405446" cy="2716823"/>
           </a:xfrm>
           <a:prstGeom prst="rect">
@@ -4531,7 +4944,7 @@
         </p:blipFill>
         <p:spPr>
           <a:xfrm>
-            <a:off x="885796" y="93715"/>
+            <a:off x="-257204" y="93715"/>
             <a:ext cx="10816766" cy="3947146"/>
           </a:xfrm>
           <a:prstGeom prst="rect">
@@ -4547,7 +4960,7 @@
         </p:nvSpPr>
         <p:spPr>
           <a:xfrm>
-            <a:off x="4545623" y="3241431"/>
+            <a:off x="3402623" y="3241431"/>
             <a:ext cx="2338754" cy="571500"/>
           </a:xfrm>
           <a:prstGeom prst="flowChartAlternateProcess">
@@ -4595,7 +5008,7 @@
         </p:nvSpPr>
         <p:spPr>
           <a:xfrm>
-            <a:off x="1189893" y="2623038"/>
+            <a:off x="46894" y="2623038"/>
             <a:ext cx="1368671" cy="536332"/>
           </a:xfrm>
           <a:prstGeom prst="flowChartAlternateProcess">
@@ -4643,7 +5056,7 @@
         </p:nvSpPr>
         <p:spPr>
           <a:xfrm rot="16200000">
-            <a:off x="10462517" y="1641232"/>
+            <a:off x="9319517" y="1641233"/>
             <a:ext cx="1096106" cy="633049"/>
           </a:xfrm>
           <a:prstGeom prst="flowChartAlternateProcess">
@@ -4696,7 +5109,7 @@
         </p:nvSpPr>
         <p:spPr>
           <a:xfrm>
-            <a:off x="10234249" y="2664072"/>
+            <a:off x="9091250" y="2664073"/>
             <a:ext cx="483577" cy="501161"/>
           </a:xfrm>
           <a:prstGeom prst="flowChartAlternateProcess">
@@ -4746,7 +5159,7 @@
         </p:nvSpPr>
         <p:spPr>
           <a:xfrm>
-            <a:off x="9568960" y="3279532"/>
+            <a:off x="8425960" y="3279533"/>
             <a:ext cx="550986" cy="492369"/>
           </a:xfrm>
           <a:prstGeom prst="flowChartAlternateProcess">
@@ -4796,7 +5209,7 @@
         </p:nvSpPr>
         <p:spPr>
           <a:xfrm>
-            <a:off x="10222522" y="3261946"/>
+            <a:off x="9079522" y="3261946"/>
             <a:ext cx="512886" cy="509954"/>
           </a:xfrm>
           <a:prstGeom prst="flowChartAlternateProcess">
@@ -4846,7 +5259,7 @@
         </p:nvSpPr>
         <p:spPr>
           <a:xfrm>
-            <a:off x="10839988" y="3262097"/>
+            <a:off x="9696988" y="3262098"/>
             <a:ext cx="542192" cy="501161"/>
           </a:xfrm>
           <a:prstGeom prst="flowChartAlternateProcess">
@@ -4896,7 +5309,7 @@
         </p:nvSpPr>
         <p:spPr>
           <a:xfrm>
-            <a:off x="3068514" y="1362809"/>
+            <a:off x="1925514" y="1362809"/>
             <a:ext cx="597876" cy="571500"/>
           </a:xfrm>
           <a:prstGeom prst="flowChartAlternateProcess">
@@ -4944,7 +5357,7 @@
         </p:nvSpPr>
         <p:spPr>
           <a:xfrm>
-            <a:off x="2473568" y="1972409"/>
+            <a:off x="1330568" y="1972409"/>
             <a:ext cx="597876" cy="571500"/>
           </a:xfrm>
           <a:prstGeom prst="flowChartAlternateProcess">
@@ -4992,7 +5405,7 @@
         </p:nvSpPr>
         <p:spPr>
           <a:xfrm>
-            <a:off x="3171091" y="1992924"/>
+            <a:off x="2028091" y="1992924"/>
             <a:ext cx="597876" cy="571500"/>
           </a:xfrm>
           <a:prstGeom prst="flowChartAlternateProcess">
@@ -5040,7 +5453,7 @@
         </p:nvSpPr>
         <p:spPr>
           <a:xfrm>
-            <a:off x="3859822" y="1987062"/>
+            <a:off x="2716822" y="1987062"/>
             <a:ext cx="597876" cy="571500"/>
           </a:xfrm>
           <a:prstGeom prst="flowChartAlternateProcess">
@@ -5088,7 +5501,7 @@
         </p:nvSpPr>
         <p:spPr>
           <a:xfrm>
-            <a:off x="8540261" y="1348155"/>
+            <a:off x="7397261" y="1348155"/>
             <a:ext cx="597876" cy="571500"/>
           </a:xfrm>
           <a:prstGeom prst="flowChartAlternateProcess">
@@ -5136,7 +5549,7 @@
         </p:nvGrpSpPr>
         <p:grpSpPr>
           <a:xfrm>
-            <a:off x="1122484" y="4135318"/>
+            <a:off x="-20516" y="4135319"/>
             <a:ext cx="7828085" cy="2492733"/>
             <a:chOff x="841130" y="4135315"/>
             <a:chExt cx="7828085" cy="2492733"/>
